--- a/univariate slides/8.7 Univariate statistics metabox.pptx
+++ b/univariate slides/8.7 Univariate statistics metabox.pptx
@@ -5,29 +5,30 @@
     <p:sldMasterId id="2147483648" r:id="rId1"/>
   </p:sldMasterIdLst>
   <p:notesMasterIdLst>
-    <p:notesMasterId r:id="rId22"/>
+    <p:notesMasterId r:id="rId23"/>
   </p:notesMasterIdLst>
   <p:sldIdLst>
     <p:sldId id="260" r:id="rId2"/>
     <p:sldId id="292" r:id="rId3"/>
     <p:sldId id="295" r:id="rId4"/>
-    <p:sldId id="273" r:id="rId5"/>
-    <p:sldId id="274" r:id="rId6"/>
-    <p:sldId id="280" r:id="rId7"/>
-    <p:sldId id="276" r:id="rId8"/>
-    <p:sldId id="281" r:id="rId9"/>
-    <p:sldId id="282" r:id="rId10"/>
-    <p:sldId id="283" r:id="rId11"/>
-    <p:sldId id="284" r:id="rId12"/>
-    <p:sldId id="293" r:id="rId13"/>
-    <p:sldId id="294" r:id="rId14"/>
-    <p:sldId id="285" r:id="rId15"/>
-    <p:sldId id="286" r:id="rId16"/>
-    <p:sldId id="287" r:id="rId17"/>
-    <p:sldId id="288" r:id="rId18"/>
-    <p:sldId id="289" r:id="rId19"/>
-    <p:sldId id="290" r:id="rId20"/>
-    <p:sldId id="291" r:id="rId21"/>
+    <p:sldId id="296" r:id="rId5"/>
+    <p:sldId id="273" r:id="rId6"/>
+    <p:sldId id="274" r:id="rId7"/>
+    <p:sldId id="280" r:id="rId8"/>
+    <p:sldId id="276" r:id="rId9"/>
+    <p:sldId id="281" r:id="rId10"/>
+    <p:sldId id="282" r:id="rId11"/>
+    <p:sldId id="283" r:id="rId12"/>
+    <p:sldId id="284" r:id="rId13"/>
+    <p:sldId id="293" r:id="rId14"/>
+    <p:sldId id="294" r:id="rId15"/>
+    <p:sldId id="285" r:id="rId16"/>
+    <p:sldId id="286" r:id="rId17"/>
+    <p:sldId id="287" r:id="rId18"/>
+    <p:sldId id="288" r:id="rId19"/>
+    <p:sldId id="289" r:id="rId20"/>
+    <p:sldId id="290" r:id="rId21"/>
+    <p:sldId id="291" r:id="rId22"/>
   </p:sldIdLst>
   <p:sldSz cx="9144000" cy="6858000" type="screen4x3"/>
   <p:notesSz cx="6858000" cy="9144000"/>
@@ -563,7 +564,7 @@
           <a:p>
             <a:fld id="{A8605EA4-99A9-4A58-AD3F-AEA1D7998782}" type="slidenum">
               <a:rPr lang="en-US" smtClean="0"/>
-              <a:t>18</a:t>
+              <a:t>19</a:t>
             </a:fld>
             <a:endParaRPr lang="en-US" dirty="0"/>
           </a:p>
@@ -647,7 +648,7 @@
           <a:p>
             <a:fld id="{A8605EA4-99A9-4A58-AD3F-AEA1D7998782}" type="slidenum">
               <a:rPr lang="en-US" smtClean="0"/>
-              <a:t>19</a:t>
+              <a:t>20</a:t>
             </a:fld>
             <a:endParaRPr lang="en-US" dirty="0"/>
           </a:p>
@@ -731,7 +732,7 @@
           <a:p>
             <a:fld id="{713DD422-6333-495A-A5D2-6E6102115367}" type="slidenum">
               <a:rPr lang="en-US" smtClean="0"/>
-              <a:t>20</a:t>
+              <a:t>21</a:t>
             </a:fld>
             <a:endParaRPr lang="en-US"/>
           </a:p>
@@ -1834,20 +1835,12 @@
           <a:p>
             <a:pPr algn="ctr"/>
             <a:r>
-              <a:rPr lang="en-US" altLang="zh-CN" sz="3200" b="1" dirty="0">
-                <a:solidFill>
-                  <a:srgbClr val="0000FF"/>
-                </a:solidFill>
-              </a:rPr>
-              <a:t>pair-wise </a:t>
-            </a:r>
-            <a:r>
               <a:rPr lang="en-US" sz="3200" b="1" dirty="0">
                 <a:solidFill>
                   <a:srgbClr val="0000FF"/>
                 </a:solidFill>
               </a:rPr>
-              <a:t>fold changes</a:t>
+              <a:t>paired t test</a:t>
             </a:r>
           </a:p>
         </p:txBody>
@@ -2105,21 +2098,22 @@
       </p:cxnSp>
       <p:pic>
         <p:nvPicPr>
-          <p:cNvPr id="6" name="Picture 5"/>
+          <p:cNvPr id="2" name="Picture 1"/>
           <p:cNvPicPr>
             <a:picLocks noChangeAspect="1"/>
           </p:cNvPicPr>
           <p:nvPr/>
         </p:nvPicPr>
-        <p:blipFill rotWithShape="1">
+        <p:blipFill>
           <a:blip r:embed="rId3"/>
-          <a:srcRect r="768" b="45913"/>
-          <a:stretch/>
+          <a:stretch>
+            <a:fillRect/>
+          </a:stretch>
         </p:blipFill>
         <p:spPr>
           <a:xfrm>
-            <a:off x="1172651" y="1899078"/>
-            <a:ext cx="6899463" cy="3048000"/>
+            <a:off x="910863" y="1885039"/>
+            <a:ext cx="6877050" cy="3344219"/>
           </a:xfrm>
           <a:prstGeom prst="rect">
             <a:avLst/>
@@ -2128,14 +2122,14 @@
       </p:pic>
       <p:sp>
         <p:nvSpPr>
-          <p:cNvPr id="9" name="Rectangle 8"/>
+          <p:cNvPr id="3" name="Rectangle 2"/>
           <p:cNvSpPr/>
           <p:nvPr/>
         </p:nvSpPr>
         <p:spPr>
           <a:xfrm>
-            <a:off x="2068300" y="5067300"/>
-            <a:ext cx="5658926" cy="381000"/>
+            <a:off x="790575" y="1981200"/>
+            <a:ext cx="7117626" cy="245441"/>
           </a:xfrm>
           <a:prstGeom prst="rect">
             <a:avLst/>
@@ -2168,34 +2162,66 @@
           <a:lstStyle/>
           <a:p>
             <a:pPr algn="ctr"/>
+            <a:endParaRPr lang="en-US"/>
+          </a:p>
+        </p:txBody>
+      </p:sp>
+      <p:sp>
+        <p:nvSpPr>
+          <p:cNvPr id="12" name="Rectangle 11"/>
+          <p:cNvSpPr/>
+          <p:nvPr/>
+        </p:nvSpPr>
+        <p:spPr>
+          <a:xfrm>
+            <a:off x="1676399" y="5595340"/>
+            <a:ext cx="4953001" cy="881659"/>
+          </a:xfrm>
+          <a:prstGeom prst="rect">
+            <a:avLst/>
+          </a:prstGeom>
+          <a:noFill/>
+          <a:ln>
+            <a:solidFill>
+              <a:srgbClr val="FF0000"/>
+            </a:solidFill>
+          </a:ln>
+        </p:spPr>
+        <p:style>
+          <a:lnRef idx="2">
+            <a:schemeClr val="accent1">
+              <a:shade val="50000"/>
+            </a:schemeClr>
+          </a:lnRef>
+          <a:fillRef idx="1">
+            <a:schemeClr val="accent1"/>
+          </a:fillRef>
+          <a:effectRef idx="0">
+            <a:schemeClr val="accent1"/>
+          </a:effectRef>
+          <a:fontRef idx="minor">
+            <a:schemeClr val="lt1"/>
+          </a:fontRef>
+        </p:style>
+        <p:txBody>
+          <a:bodyPr rtlCol="0" anchor="ctr"/>
+          <a:lstStyle/>
+          <a:p>
+            <a:pPr algn="ctr"/>
             <a:r>
               <a:rPr lang="en-US" dirty="0">
                 <a:solidFill>
                   <a:srgbClr val="FF0000"/>
                 </a:solidFill>
               </a:rPr>
-              <a:t>4 factors </a:t>
-            </a:r>
-            <a:r>
-              <a:rPr lang="en-US" dirty="0">
-                <a:solidFill>
-                  <a:srgbClr val="FF0000"/>
-                </a:solidFill>
-                <a:sym typeface="Wingdings" panose="05000000000000000000" pitchFamily="2" charset="2"/>
-              </a:rPr>
-              <a:t> 3+2+1 pairs of fold change</a:t>
-            </a:r>
-            <a:endParaRPr lang="en-US" dirty="0">
-              <a:solidFill>
-                <a:srgbClr val="FF0000"/>
-              </a:solidFill>
-            </a:endParaRPr>
+              <a:t>sample ID is critical for paired studies, including paired t test, repeated ANOVA and mixed ANOVA.</a:t>
+            </a:r>
           </a:p>
         </p:txBody>
       </p:sp>
       <p:pic>
         <p:nvPicPr>
-          <p:cNvPr id="10" name="Picture 9"/>
+          <p:cNvPr id="4" name="Picture 3"/>
           <p:cNvPicPr>
             <a:picLocks noChangeAspect="1"/>
           </p:cNvPicPr>
@@ -2209,8 +2235,8 @@
         </p:blipFill>
         <p:spPr>
           <a:xfrm>
-            <a:off x="1828800" y="1096017"/>
-            <a:ext cx="1323975" cy="495300"/>
+            <a:off x="1655684" y="991902"/>
+            <a:ext cx="1647825" cy="647700"/>
           </a:xfrm>
           <a:prstGeom prst="rect">
             <a:avLst/>
@@ -2220,7 +2246,7 @@
     </p:spTree>
     <p:extLst>
       <p:ext uri="{BB962C8B-B14F-4D97-AF65-F5344CB8AC3E}">
-        <p14:creationId xmlns:p14="http://schemas.microsoft.com/office/powerpoint/2010/main" val="218421739"/>
+        <p14:creationId xmlns:p14="http://schemas.microsoft.com/office/powerpoint/2010/main" val="1045781367"/>
       </p:ext>
     </p:extLst>
   </p:cSld>
@@ -2444,14 +2470,14 @@
                 </a:effectLst>
                 <a:latin typeface="Trebuchet MS" panose="020B0603020202020204" pitchFamily="34" charset="0"/>
               </a:rPr>
-              <a:t>output</a:t>
+              <a:t>Input format</a:t>
             </a:r>
           </a:p>
         </p:txBody>
       </p:sp>
       <p:pic>
         <p:nvPicPr>
-          <p:cNvPr id="2" name="Picture 1"/>
+          <p:cNvPr id="23" name="Picture 22"/>
           <p:cNvPicPr>
             <a:picLocks noChangeAspect="1"/>
           </p:cNvPicPr>
@@ -2465,8 +2491,8 @@
         </p:blipFill>
         <p:spPr>
           <a:xfrm>
-            <a:off x="1447800" y="1956375"/>
-            <a:ext cx="6018837" cy="3038475"/>
+            <a:off x="6705600" y="5715000"/>
+            <a:ext cx="1362075" cy="900222"/>
           </a:xfrm>
           <a:prstGeom prst="rect">
             <a:avLst/>
@@ -2475,16 +2501,16 @@
       </p:pic>
       <p:sp>
         <p:nvSpPr>
-          <p:cNvPr id="3" name="Rectangle 2"/>
+          <p:cNvPr id="24" name="Oval 23"/>
           <p:cNvSpPr/>
           <p:nvPr/>
         </p:nvSpPr>
         <p:spPr>
           <a:xfrm>
-            <a:off x="3352800" y="5483122"/>
-            <a:ext cx="2971800" cy="304800"/>
-          </a:xfrm>
-          <a:prstGeom prst="rect">
+            <a:off x="7335150" y="6040582"/>
+            <a:ext cx="437250" cy="207818"/>
+          </a:xfrm>
+          <a:prstGeom prst="ellipse">
             <a:avLst/>
           </a:prstGeom>
           <a:noFill/>
@@ -2515,21 +2541,166 @@
           <a:lstStyle/>
           <a:p>
             <a:pPr algn="ctr"/>
+            <a:endParaRPr lang="en-US"/>
+          </a:p>
+        </p:txBody>
+      </p:sp>
+      <p:cxnSp>
+        <p:nvCxnSpPr>
+          <p:cNvPr id="26" name="Straight Arrow Connector 25"/>
+          <p:cNvCxnSpPr>
+            <a:cxnSpLocks/>
+          </p:cNvCxnSpPr>
+          <p:nvPr/>
+        </p:nvCxnSpPr>
+        <p:spPr>
+          <a:xfrm flipH="1" flipV="1">
+            <a:off x="7727226" y="6248400"/>
+            <a:ext cx="121374" cy="152400"/>
+          </a:xfrm>
+          <a:prstGeom prst="straightConnector1">
+            <a:avLst/>
+          </a:prstGeom>
+          <a:ln>
+            <a:solidFill>
+              <a:srgbClr val="FF0000"/>
+            </a:solidFill>
+            <a:tailEnd type="triangle"/>
+          </a:ln>
+        </p:spPr>
+        <p:style>
+          <a:lnRef idx="1">
+            <a:schemeClr val="accent1"/>
+          </a:lnRef>
+          <a:fillRef idx="0">
+            <a:schemeClr val="accent1"/>
+          </a:fillRef>
+          <a:effectRef idx="0">
+            <a:schemeClr val="accent1"/>
+          </a:effectRef>
+          <a:fontRef idx="minor">
+            <a:schemeClr val="tx1"/>
+          </a:fontRef>
+        </p:style>
+      </p:cxnSp>
+      <p:pic>
+        <p:nvPicPr>
+          <p:cNvPr id="6" name="Picture 5"/>
+          <p:cNvPicPr>
+            <a:picLocks noChangeAspect="1"/>
+          </p:cNvPicPr>
+          <p:nvPr/>
+        </p:nvPicPr>
+        <p:blipFill rotWithShape="1">
+          <a:blip r:embed="rId3"/>
+          <a:srcRect r="768" b="45913"/>
+          <a:stretch/>
+        </p:blipFill>
+        <p:spPr>
+          <a:xfrm>
+            <a:off x="1172651" y="1899078"/>
+            <a:ext cx="6899463" cy="3048000"/>
+          </a:xfrm>
+          <a:prstGeom prst="rect">
+            <a:avLst/>
+          </a:prstGeom>
+        </p:spPr>
+      </p:pic>
+      <p:sp>
+        <p:nvSpPr>
+          <p:cNvPr id="9" name="Rectangle 8"/>
+          <p:cNvSpPr/>
+          <p:nvPr/>
+        </p:nvSpPr>
+        <p:spPr>
+          <a:xfrm>
+            <a:off x="2068300" y="5067300"/>
+            <a:ext cx="5658926" cy="381000"/>
+          </a:xfrm>
+          <a:prstGeom prst="rect">
+            <a:avLst/>
+          </a:prstGeom>
+          <a:noFill/>
+          <a:ln>
+            <a:solidFill>
+              <a:srgbClr val="FF0000"/>
+            </a:solidFill>
+          </a:ln>
+        </p:spPr>
+        <p:style>
+          <a:lnRef idx="2">
+            <a:schemeClr val="accent1">
+              <a:shade val="50000"/>
+            </a:schemeClr>
+          </a:lnRef>
+          <a:fillRef idx="1">
+            <a:schemeClr val="accent1"/>
+          </a:fillRef>
+          <a:effectRef idx="0">
+            <a:schemeClr val="accent1"/>
+          </a:effectRef>
+          <a:fontRef idx="minor">
+            <a:schemeClr val="lt1"/>
+          </a:fontRef>
+        </p:style>
+        <p:txBody>
+          <a:bodyPr rtlCol="0" anchor="ctr"/>
+          <a:lstStyle/>
+          <a:p>
+            <a:pPr algn="ctr"/>
             <a:r>
               <a:rPr lang="en-US" dirty="0">
                 <a:solidFill>
                   <a:srgbClr val="FF0000"/>
                 </a:solidFill>
               </a:rPr>
-              <a:t>Be careful with the direction</a:t>
-            </a:r>
-          </a:p>
-        </p:txBody>
-      </p:sp>
+              <a:t>4 factors </a:t>
+            </a:r>
+            <a:r>
+              <a:rPr lang="en-US" dirty="0">
+                <a:solidFill>
+                  <a:srgbClr val="FF0000"/>
+                </a:solidFill>
+                <a:sym typeface="Wingdings" panose="05000000000000000000" pitchFamily="2" charset="2"/>
+              </a:rPr>
+              <a:t> 3+2+1 pairs of fold change</a:t>
+            </a:r>
+            <a:endParaRPr lang="en-US" dirty="0">
+              <a:solidFill>
+                <a:srgbClr val="FF0000"/>
+              </a:solidFill>
+            </a:endParaRPr>
+          </a:p>
+        </p:txBody>
+      </p:sp>
+      <p:pic>
+        <p:nvPicPr>
+          <p:cNvPr id="10" name="Picture 9"/>
+          <p:cNvPicPr>
+            <a:picLocks noChangeAspect="1"/>
+          </p:cNvPicPr>
+          <p:nvPr/>
+        </p:nvPicPr>
+        <p:blipFill>
+          <a:blip r:embed="rId4"/>
+          <a:stretch>
+            <a:fillRect/>
+          </a:stretch>
+        </p:blipFill>
+        <p:spPr>
+          <a:xfrm>
+            <a:off x="1828800" y="1096017"/>
+            <a:ext cx="1323975" cy="495300"/>
+          </a:xfrm>
+          <a:prstGeom prst="rect">
+            <a:avLst/>
+          </a:prstGeom>
+        </p:spPr>
+      </p:pic>
     </p:spTree>
     <p:extLst>
       <p:ext uri="{BB962C8B-B14F-4D97-AF65-F5344CB8AC3E}">
-        <p14:creationId xmlns:p14="http://schemas.microsoft.com/office/powerpoint/2010/main" val="454075381"/>
+        <p14:creationId xmlns:p14="http://schemas.microsoft.com/office/powerpoint/2010/main" val="218421739"/>
       </p:ext>
     </p:extLst>
   </p:cSld>
@@ -2556,30 +2727,6 @@
           <a:chExt cx="0" cy="0"/>
         </a:xfrm>
       </p:grpSpPr>
-      <p:pic>
-        <p:nvPicPr>
-          <p:cNvPr id="8" name="Picture 7"/>
-          <p:cNvPicPr>
-            <a:picLocks noChangeAspect="1"/>
-          </p:cNvPicPr>
-          <p:nvPr/>
-        </p:nvPicPr>
-        <p:blipFill>
-          <a:blip r:embed="rId2"/>
-          <a:stretch>
-            <a:fillRect/>
-          </a:stretch>
-        </p:blipFill>
-        <p:spPr>
-          <a:xfrm>
-            <a:off x="529944" y="2167635"/>
-            <a:ext cx="7543800" cy="3060883"/>
-          </a:xfrm>
-          <a:prstGeom prst="rect">
-            <a:avLst/>
-          </a:prstGeom>
-        </p:spPr>
-      </p:pic>
       <p:sp>
         <p:nvSpPr>
           <p:cNvPr id="7" name="TextBox 6"/>
@@ -2621,12 +2768,20 @@
           <a:p>
             <a:pPr algn="ctr"/>
             <a:r>
+              <a:rPr lang="en-US" altLang="zh-CN" sz="3200" b="1" dirty="0">
+                <a:solidFill>
+                  <a:srgbClr val="0000FF"/>
+                </a:solidFill>
+              </a:rPr>
+              <a:t>pair-wise </a:t>
+            </a:r>
+            <a:r>
               <a:rPr lang="en-US" sz="3200" b="1" dirty="0">
                 <a:solidFill>
                   <a:srgbClr val="0000FF"/>
                 </a:solidFill>
               </a:rPr>
-              <a:t>Two-way Mixed ANOVA</a:t>
+              <a:t>fold changes</a:t>
             </a:r>
           </a:p>
         </p:txBody>
@@ -2769,29 +2924,29 @@
                 </a:effectLst>
                 <a:latin typeface="Trebuchet MS" panose="020B0603020202020204" pitchFamily="34" charset="0"/>
               </a:rPr>
-              <a:t>Input format</a:t>
+              <a:t>output</a:t>
             </a:r>
           </a:p>
         </p:txBody>
       </p:sp>
       <p:pic>
         <p:nvPicPr>
-          <p:cNvPr id="23" name="Picture 22"/>
+          <p:cNvPr id="2" name="Picture 1"/>
           <p:cNvPicPr>
             <a:picLocks noChangeAspect="1"/>
           </p:cNvPicPr>
           <p:nvPr/>
         </p:nvPicPr>
         <p:blipFill>
-          <a:blip r:embed="rId3"/>
+          <a:blip r:embed="rId2"/>
           <a:stretch>
             <a:fillRect/>
           </a:stretch>
         </p:blipFill>
         <p:spPr>
           <a:xfrm>
-            <a:off x="6705600" y="5715000"/>
-            <a:ext cx="1362075" cy="900222"/>
+            <a:off x="1447800" y="1956375"/>
+            <a:ext cx="6018837" cy="3038475"/>
           </a:xfrm>
           <a:prstGeom prst="rect">
             <a:avLst/>
@@ -2800,16 +2955,16 @@
       </p:pic>
       <p:sp>
         <p:nvSpPr>
-          <p:cNvPr id="24" name="Oval 23"/>
+          <p:cNvPr id="3" name="Rectangle 2"/>
           <p:cNvSpPr/>
           <p:nvPr/>
         </p:nvSpPr>
         <p:spPr>
           <a:xfrm>
-            <a:off x="7335150" y="6040582"/>
-            <a:ext cx="437250" cy="207818"/>
-          </a:xfrm>
-          <a:prstGeom prst="ellipse">
+            <a:off x="3352800" y="5483122"/>
+            <a:ext cx="2971800" cy="304800"/>
+          </a:xfrm>
+          <a:prstGeom prst="rect">
             <a:avLst/>
           </a:prstGeom>
           <a:noFill/>
@@ -2840,175 +2995,21 @@
           <a:lstStyle/>
           <a:p>
             <a:pPr algn="ctr"/>
-            <a:endParaRPr lang="en-US"/>
-          </a:p>
-        </p:txBody>
-      </p:sp>
-      <p:cxnSp>
-        <p:nvCxnSpPr>
-          <p:cNvPr id="26" name="Straight Arrow Connector 25"/>
-          <p:cNvCxnSpPr>
-            <a:cxnSpLocks/>
-          </p:cNvCxnSpPr>
-          <p:nvPr/>
-        </p:nvCxnSpPr>
-        <p:spPr>
-          <a:xfrm flipH="1" flipV="1">
-            <a:off x="7727226" y="6248400"/>
-            <a:ext cx="121374" cy="152400"/>
-          </a:xfrm>
-          <a:prstGeom prst="straightConnector1">
-            <a:avLst/>
-          </a:prstGeom>
-          <a:ln>
-            <a:solidFill>
-              <a:srgbClr val="FF0000"/>
-            </a:solidFill>
-            <a:tailEnd type="triangle"/>
-          </a:ln>
-        </p:spPr>
-        <p:style>
-          <a:lnRef idx="1">
-            <a:schemeClr val="accent1"/>
-          </a:lnRef>
-          <a:fillRef idx="0">
-            <a:schemeClr val="accent1"/>
-          </a:fillRef>
-          <a:effectRef idx="0">
-            <a:schemeClr val="accent1"/>
-          </a:effectRef>
-          <a:fontRef idx="minor">
-            <a:schemeClr val="tx1"/>
-          </a:fontRef>
-        </p:style>
-      </p:cxnSp>
-      <p:sp>
-        <p:nvSpPr>
-          <p:cNvPr id="3" name="Rectangle 2"/>
-          <p:cNvSpPr/>
-          <p:nvPr/>
-        </p:nvSpPr>
-        <p:spPr>
-          <a:xfrm>
-            <a:off x="468601" y="2401986"/>
-            <a:ext cx="7608599" cy="152400"/>
-          </a:xfrm>
-          <a:prstGeom prst="rect">
-            <a:avLst/>
-          </a:prstGeom>
-          <a:noFill/>
-          <a:ln>
-            <a:solidFill>
-              <a:srgbClr val="FF0000"/>
-            </a:solidFill>
-          </a:ln>
-        </p:spPr>
-        <p:style>
-          <a:lnRef idx="2">
-            <a:schemeClr val="accent1">
-              <a:shade val="50000"/>
-            </a:schemeClr>
-          </a:lnRef>
-          <a:fillRef idx="1">
-            <a:schemeClr val="accent1"/>
-          </a:fillRef>
-          <a:effectRef idx="0">
-            <a:schemeClr val="accent1"/>
-          </a:effectRef>
-          <a:fontRef idx="minor">
-            <a:schemeClr val="lt1"/>
-          </a:fontRef>
-        </p:style>
-        <p:txBody>
-          <a:bodyPr rtlCol="0" anchor="ctr"/>
-          <a:lstStyle/>
-          <a:p>
-            <a:pPr algn="ctr"/>
-            <a:endParaRPr lang="en-US"/>
-          </a:p>
-        </p:txBody>
-      </p:sp>
-      <p:sp>
-        <p:nvSpPr>
-          <p:cNvPr id="12" name="Rectangle 11"/>
-          <p:cNvSpPr/>
-          <p:nvPr/>
-        </p:nvSpPr>
-        <p:spPr>
-          <a:xfrm>
-            <a:off x="1676399" y="5595340"/>
-            <a:ext cx="4953001" cy="881659"/>
-          </a:xfrm>
-          <a:prstGeom prst="rect">
-            <a:avLst/>
-          </a:prstGeom>
-          <a:noFill/>
-          <a:ln>
-            <a:solidFill>
-              <a:srgbClr val="FF0000"/>
-            </a:solidFill>
-          </a:ln>
-        </p:spPr>
-        <p:style>
-          <a:lnRef idx="2">
-            <a:schemeClr val="accent1">
-              <a:shade val="50000"/>
-            </a:schemeClr>
-          </a:lnRef>
-          <a:fillRef idx="1">
-            <a:schemeClr val="accent1"/>
-          </a:fillRef>
-          <a:effectRef idx="0">
-            <a:schemeClr val="accent1"/>
-          </a:effectRef>
-          <a:fontRef idx="minor">
-            <a:schemeClr val="lt1"/>
-          </a:fontRef>
-        </p:style>
-        <p:txBody>
-          <a:bodyPr rtlCol="0" anchor="ctr"/>
-          <a:lstStyle/>
-          <a:p>
-            <a:pPr algn="ctr"/>
             <a:r>
               <a:rPr lang="en-US" dirty="0">
                 <a:solidFill>
                   <a:srgbClr val="FF0000"/>
                 </a:solidFill>
               </a:rPr>
-              <a:t>sample ID is critical for paired studies, including paired t test, repeated ANOVA and mixed ANOVA.</a:t>
-            </a:r>
-          </a:p>
-        </p:txBody>
-      </p:sp>
-      <p:pic>
-        <p:nvPicPr>
-          <p:cNvPr id="6" name="Picture 5"/>
-          <p:cNvPicPr>
-            <a:picLocks noChangeAspect="1"/>
-          </p:cNvPicPr>
-          <p:nvPr/>
-        </p:nvPicPr>
-        <p:blipFill>
-          <a:blip r:embed="rId4"/>
-          <a:stretch>
-            <a:fillRect/>
-          </a:stretch>
-        </p:blipFill>
-        <p:spPr>
-          <a:xfrm>
-            <a:off x="1447800" y="1241955"/>
-            <a:ext cx="1676400" cy="554003"/>
-          </a:xfrm>
-          <a:prstGeom prst="rect">
-            <a:avLst/>
-          </a:prstGeom>
-        </p:spPr>
-      </p:pic>
+              <a:t>Be careful with the direction</a:t>
+            </a:r>
+          </a:p>
+        </p:txBody>
+      </p:sp>
     </p:spTree>
     <p:extLst>
       <p:ext uri="{BB962C8B-B14F-4D97-AF65-F5344CB8AC3E}">
-        <p14:creationId xmlns:p14="http://schemas.microsoft.com/office/powerpoint/2010/main" val="630749899"/>
+        <p14:creationId xmlns:p14="http://schemas.microsoft.com/office/powerpoint/2010/main" val="454075381"/>
       </p:ext>
     </p:extLst>
   </p:cSld>
@@ -3035,6 +3036,30 @@
           <a:chExt cx="0" cy="0"/>
         </a:xfrm>
       </p:grpSpPr>
+      <p:pic>
+        <p:nvPicPr>
+          <p:cNvPr id="8" name="Picture 7"/>
+          <p:cNvPicPr>
+            <a:picLocks noChangeAspect="1"/>
+          </p:cNvPicPr>
+          <p:nvPr/>
+        </p:nvPicPr>
+        <p:blipFill>
+          <a:blip r:embed="rId2"/>
+          <a:stretch>
+            <a:fillRect/>
+          </a:stretch>
+        </p:blipFill>
+        <p:spPr>
+          <a:xfrm>
+            <a:off x="529944" y="2167635"/>
+            <a:ext cx="7543800" cy="3060883"/>
+          </a:xfrm>
+          <a:prstGeom prst="rect">
+            <a:avLst/>
+          </a:prstGeom>
+        </p:spPr>
+      </p:pic>
       <p:sp>
         <p:nvSpPr>
           <p:cNvPr id="7" name="TextBox 6"/>
@@ -3224,38 +3249,14 @@
                 </a:effectLst>
                 <a:latin typeface="Trebuchet MS" panose="020B0603020202020204" pitchFamily="34" charset="0"/>
               </a:rPr>
-              <a:t>output</a:t>
+              <a:t>Input format</a:t>
             </a:r>
           </a:p>
         </p:txBody>
       </p:sp>
       <p:pic>
         <p:nvPicPr>
-          <p:cNvPr id="6" name="Picture 5"/>
-          <p:cNvPicPr>
-            <a:picLocks noChangeAspect="1"/>
-          </p:cNvPicPr>
-          <p:nvPr/>
-        </p:nvPicPr>
-        <p:blipFill>
-          <a:blip r:embed="rId2"/>
-          <a:stretch>
-            <a:fillRect/>
-          </a:stretch>
-        </p:blipFill>
-        <p:spPr>
-          <a:xfrm>
-            <a:off x="1447800" y="1241955"/>
-            <a:ext cx="1676400" cy="554003"/>
-          </a:xfrm>
-          <a:prstGeom prst="rect">
-            <a:avLst/>
-          </a:prstGeom>
-        </p:spPr>
-      </p:pic>
-      <p:pic>
-        <p:nvPicPr>
-          <p:cNvPr id="4" name="Picture 3"/>
+          <p:cNvPr id="23" name="Picture 22"/>
           <p:cNvPicPr>
             <a:picLocks noChangeAspect="1"/>
           </p:cNvPicPr>
@@ -3269,8 +3270,8 @@
         </p:blipFill>
         <p:spPr>
           <a:xfrm>
-            <a:off x="838200" y="2089932"/>
-            <a:ext cx="7048500" cy="1457325"/>
+            <a:off x="6705600" y="5715000"/>
+            <a:ext cx="1362075" cy="900222"/>
           </a:xfrm>
           <a:prstGeom prst="rect">
             <a:avLst/>
@@ -3279,34 +3280,36 @@
       </p:pic>
       <p:sp>
         <p:nvSpPr>
-          <p:cNvPr id="9" name="Rectangle 8"/>
+          <p:cNvPr id="24" name="Oval 23"/>
           <p:cNvSpPr/>
           <p:nvPr/>
         </p:nvSpPr>
         <p:spPr>
           <a:xfrm>
-            <a:off x="2743200" y="3657600"/>
-            <a:ext cx="1219200" cy="320984"/>
-          </a:xfrm>
-          <a:prstGeom prst="rect">
-            <a:avLst/>
-          </a:prstGeom>
-          <a:solidFill>
-            <a:schemeClr val="accent1"/>
-          </a:solidFill>
+            <a:off x="7335150" y="6040582"/>
+            <a:ext cx="437250" cy="207818"/>
+          </a:xfrm>
+          <a:prstGeom prst="ellipse">
+            <a:avLst/>
+          </a:prstGeom>
+          <a:noFill/>
           <a:ln>
-            <a:noFill/>
+            <a:solidFill>
+              <a:srgbClr val="FF0000"/>
+            </a:solidFill>
           </a:ln>
         </p:spPr>
         <p:style>
-          <a:lnRef idx="0">
-            <a:scrgbClr r="0" g="0" b="0"/>
+          <a:lnRef idx="2">
+            <a:schemeClr val="accent1">
+              <a:shade val="50000"/>
+            </a:schemeClr>
           </a:lnRef>
-          <a:fillRef idx="0">
-            <a:scrgbClr r="0" g="0" b="0"/>
+          <a:fillRef idx="1">
+            <a:schemeClr val="accent1"/>
           </a:fillRef>
           <a:effectRef idx="0">
-            <a:scrgbClr r="0" g="0" b="0"/>
+            <a:schemeClr val="accent1"/>
           </a:effectRef>
           <a:fontRef idx="minor">
             <a:schemeClr val="lt1"/>
@@ -3317,43 +3320,80 @@
           <a:lstStyle/>
           <a:p>
             <a:pPr algn="ctr"/>
-            <a:r>
-              <a:rPr lang="en-US" dirty="0"/>
-              <a:t>interaction</a:t>
-            </a:r>
-          </a:p>
-        </p:txBody>
-      </p:sp>
-      <p:sp>
-        <p:nvSpPr>
-          <p:cNvPr id="15" name="Rectangle 14"/>
-          <p:cNvSpPr/>
-          <p:nvPr/>
-        </p:nvSpPr>
-        <p:spPr>
-          <a:xfrm>
-            <a:off x="3810000" y="1768948"/>
-            <a:ext cx="2133600" cy="288452"/>
-          </a:xfrm>
-          <a:prstGeom prst="rect">
-            <a:avLst/>
-          </a:prstGeom>
-          <a:solidFill>
-            <a:schemeClr val="accent1"/>
-          </a:solidFill>
+            <a:endParaRPr lang="en-US"/>
+          </a:p>
+        </p:txBody>
+      </p:sp>
+      <p:cxnSp>
+        <p:nvCxnSpPr>
+          <p:cNvPr id="26" name="Straight Arrow Connector 25"/>
+          <p:cNvCxnSpPr>
+            <a:cxnSpLocks/>
+          </p:cNvCxnSpPr>
+          <p:nvPr/>
+        </p:nvCxnSpPr>
+        <p:spPr>
+          <a:xfrm flipH="1" flipV="1">
+            <a:off x="7727226" y="6248400"/>
+            <a:ext cx="121374" cy="152400"/>
+          </a:xfrm>
+          <a:prstGeom prst="straightConnector1">
+            <a:avLst/>
+          </a:prstGeom>
           <a:ln>
-            <a:noFill/>
+            <a:solidFill>
+              <a:srgbClr val="FF0000"/>
+            </a:solidFill>
+            <a:tailEnd type="triangle"/>
           </a:ln>
         </p:spPr>
         <p:style>
-          <a:lnRef idx="0">
-            <a:scrgbClr r="0" g="0" b="0"/>
+          <a:lnRef idx="1">
+            <a:schemeClr val="accent1"/>
           </a:lnRef>
           <a:fillRef idx="0">
-            <a:scrgbClr r="0" g="0" b="0"/>
+            <a:schemeClr val="accent1"/>
           </a:fillRef>
           <a:effectRef idx="0">
-            <a:scrgbClr r="0" g="0" b="0"/>
+            <a:schemeClr val="accent1"/>
+          </a:effectRef>
+          <a:fontRef idx="minor">
+            <a:schemeClr val="tx1"/>
+          </a:fontRef>
+        </p:style>
+      </p:cxnSp>
+      <p:sp>
+        <p:nvSpPr>
+          <p:cNvPr id="3" name="Rectangle 2"/>
+          <p:cNvSpPr/>
+          <p:nvPr/>
+        </p:nvSpPr>
+        <p:spPr>
+          <a:xfrm>
+            <a:off x="468601" y="2401986"/>
+            <a:ext cx="7608599" cy="152400"/>
+          </a:xfrm>
+          <a:prstGeom prst="rect">
+            <a:avLst/>
+          </a:prstGeom>
+          <a:noFill/>
+          <a:ln>
+            <a:solidFill>
+              <a:srgbClr val="FF0000"/>
+            </a:solidFill>
+          </a:ln>
+        </p:spPr>
+        <p:style>
+          <a:lnRef idx="2">
+            <a:schemeClr val="accent1">
+              <a:shade val="50000"/>
+            </a:schemeClr>
+          </a:lnRef>
+          <a:fillRef idx="1">
+            <a:schemeClr val="accent1"/>
+          </a:fillRef>
+          <a:effectRef idx="0">
+            <a:schemeClr val="accent1"/>
           </a:effectRef>
           <a:fontRef idx="minor">
             <a:schemeClr val="lt1"/>
@@ -3364,43 +3404,42 @@
           <a:lstStyle/>
           <a:p>
             <a:pPr algn="ctr"/>
-            <a:r>
-              <a:rPr lang="en-US" dirty="0"/>
-              <a:t>Main effect</a:t>
-            </a:r>
-          </a:p>
-        </p:txBody>
-      </p:sp>
-      <p:sp>
-        <p:nvSpPr>
-          <p:cNvPr id="16" name="Rectangle 15"/>
+            <a:endParaRPr lang="en-US"/>
+          </a:p>
+        </p:txBody>
+      </p:sp>
+      <p:sp>
+        <p:nvSpPr>
+          <p:cNvPr id="12" name="Rectangle 11"/>
           <p:cNvSpPr/>
           <p:nvPr/>
         </p:nvSpPr>
         <p:spPr>
           <a:xfrm>
-            <a:off x="5948320" y="3610849"/>
-            <a:ext cx="1938380" cy="261990"/>
-          </a:xfrm>
-          <a:prstGeom prst="rect">
-            <a:avLst/>
-          </a:prstGeom>
-          <a:solidFill>
-            <a:schemeClr val="accent1"/>
-          </a:solidFill>
+            <a:off x="1676399" y="5595340"/>
+            <a:ext cx="4953001" cy="881659"/>
+          </a:xfrm>
+          <a:prstGeom prst="rect">
+            <a:avLst/>
+          </a:prstGeom>
+          <a:noFill/>
           <a:ln>
-            <a:noFill/>
+            <a:solidFill>
+              <a:srgbClr val="FF0000"/>
+            </a:solidFill>
           </a:ln>
         </p:spPr>
         <p:style>
-          <a:lnRef idx="0">
-            <a:scrgbClr r="0" g="0" b="0"/>
+          <a:lnRef idx="2">
+            <a:schemeClr val="accent1">
+              <a:shade val="50000"/>
+            </a:schemeClr>
           </a:lnRef>
-          <a:fillRef idx="0">
-            <a:scrgbClr r="0" g="0" b="0"/>
+          <a:fillRef idx="1">
+            <a:schemeClr val="accent1"/>
           </a:fillRef>
           <a:effectRef idx="0">
-            <a:scrgbClr r="0" g="0" b="0"/>
+            <a:schemeClr val="accent1"/>
           </a:effectRef>
           <a:fontRef idx="minor">
             <a:schemeClr val="lt1"/>
@@ -3412,15 +3451,19 @@
           <a:p>
             <a:pPr algn="ctr"/>
             <a:r>
-              <a:rPr lang="en-US" dirty="0"/>
-              <a:t>Simple main effect</a:t>
+              <a:rPr lang="en-US" dirty="0">
+                <a:solidFill>
+                  <a:srgbClr val="FF0000"/>
+                </a:solidFill>
+              </a:rPr>
+              <a:t>sample ID is critical for paired studies, including paired t test, repeated ANOVA and mixed ANOVA.</a:t>
             </a:r>
           </a:p>
         </p:txBody>
       </p:sp>
       <p:pic>
         <p:nvPicPr>
-          <p:cNvPr id="10" name="Picture 9"/>
+          <p:cNvPr id="6" name="Picture 5"/>
           <p:cNvPicPr>
             <a:picLocks noChangeAspect="1"/>
           </p:cNvPicPr>
@@ -3434,8 +3477,8 @@
         </p:blipFill>
         <p:spPr>
           <a:xfrm>
-            <a:off x="2743200" y="4138014"/>
-            <a:ext cx="3795713" cy="2595545"/>
+            <a:off x="1447800" y="1241955"/>
+            <a:ext cx="1676400" cy="554003"/>
           </a:xfrm>
           <a:prstGeom prst="rect">
             <a:avLst/>
@@ -3445,7 +3488,7 @@
     </p:spTree>
     <p:extLst>
       <p:ext uri="{BB962C8B-B14F-4D97-AF65-F5344CB8AC3E}">
-        <p14:creationId xmlns:p14="http://schemas.microsoft.com/office/powerpoint/2010/main" val="1227804986"/>
+        <p14:creationId xmlns:p14="http://schemas.microsoft.com/office/powerpoint/2010/main" val="630749899"/>
       </p:ext>
     </p:extLst>
   </p:cSld>
@@ -3513,18 +3556,13 @@
           <a:p>
             <a:pPr algn="ctr"/>
             <a:r>
-              <a:rPr lang="en-US" altLang="zh-CN" sz="3200" b="1" dirty="0">
+              <a:rPr lang="en-US" sz="3200" b="1" dirty="0">
                 <a:solidFill>
                   <a:srgbClr val="0000FF"/>
                 </a:solidFill>
               </a:rPr>
-              <a:t>boxplot</a:t>
-            </a:r>
-            <a:endParaRPr lang="en-US" sz="3200" b="1" dirty="0">
-              <a:solidFill>
-                <a:srgbClr val="0000FF"/>
-              </a:solidFill>
-            </a:endParaRPr>
+              <a:t>Two-way Mixed ANOVA</a:t>
+            </a:r>
           </a:p>
         </p:txBody>
       </p:sp>
@@ -3666,14 +3704,14 @@
                 </a:effectLst>
                 <a:latin typeface="Trebuchet MS" panose="020B0603020202020204" pitchFamily="34" charset="0"/>
               </a:rPr>
-              <a:t>Input format</a:t>
+              <a:t>output</a:t>
             </a:r>
           </a:p>
         </p:txBody>
       </p:sp>
       <p:pic>
         <p:nvPicPr>
-          <p:cNvPr id="23" name="Picture 22"/>
+          <p:cNvPr id="6" name="Picture 5"/>
           <p:cNvPicPr>
             <a:picLocks noChangeAspect="1"/>
           </p:cNvPicPr>
@@ -3687,101 +3725,17 @@
         </p:blipFill>
         <p:spPr>
           <a:xfrm>
-            <a:off x="6705600" y="5715000"/>
-            <a:ext cx="1362075" cy="900222"/>
+            <a:off x="1447800" y="1241955"/>
+            <a:ext cx="1676400" cy="554003"/>
           </a:xfrm>
           <a:prstGeom prst="rect">
             <a:avLst/>
           </a:prstGeom>
         </p:spPr>
       </p:pic>
-      <p:sp>
-        <p:nvSpPr>
-          <p:cNvPr id="24" name="Oval 23"/>
-          <p:cNvSpPr/>
-          <p:nvPr/>
-        </p:nvSpPr>
-        <p:spPr>
-          <a:xfrm>
-            <a:off x="7335150" y="6040582"/>
-            <a:ext cx="437250" cy="207818"/>
-          </a:xfrm>
-          <a:prstGeom prst="ellipse">
-            <a:avLst/>
-          </a:prstGeom>
-          <a:noFill/>
-          <a:ln>
-            <a:solidFill>
-              <a:srgbClr val="FF0000"/>
-            </a:solidFill>
-          </a:ln>
-        </p:spPr>
-        <p:style>
-          <a:lnRef idx="2">
-            <a:schemeClr val="accent1">
-              <a:shade val="50000"/>
-            </a:schemeClr>
-          </a:lnRef>
-          <a:fillRef idx="1">
-            <a:schemeClr val="accent1"/>
-          </a:fillRef>
-          <a:effectRef idx="0">
-            <a:schemeClr val="accent1"/>
-          </a:effectRef>
-          <a:fontRef idx="minor">
-            <a:schemeClr val="lt1"/>
-          </a:fontRef>
-        </p:style>
-        <p:txBody>
-          <a:bodyPr rtlCol="0" anchor="ctr"/>
-          <a:lstStyle/>
-          <a:p>
-            <a:pPr algn="ctr"/>
-            <a:endParaRPr lang="en-US"/>
-          </a:p>
-        </p:txBody>
-      </p:sp>
-      <p:cxnSp>
-        <p:nvCxnSpPr>
-          <p:cNvPr id="26" name="Straight Arrow Connector 25"/>
-          <p:cNvCxnSpPr>
-            <a:cxnSpLocks/>
-          </p:cNvCxnSpPr>
-          <p:nvPr/>
-        </p:nvCxnSpPr>
-        <p:spPr>
-          <a:xfrm flipH="1" flipV="1">
-            <a:off x="7727226" y="6248400"/>
-            <a:ext cx="121374" cy="152400"/>
-          </a:xfrm>
-          <a:prstGeom prst="straightConnector1">
-            <a:avLst/>
-          </a:prstGeom>
-          <a:ln>
-            <a:solidFill>
-              <a:srgbClr val="FF0000"/>
-            </a:solidFill>
-            <a:tailEnd type="triangle"/>
-          </a:ln>
-        </p:spPr>
-        <p:style>
-          <a:lnRef idx="1">
-            <a:schemeClr val="accent1"/>
-          </a:lnRef>
-          <a:fillRef idx="0">
-            <a:schemeClr val="accent1"/>
-          </a:fillRef>
-          <a:effectRef idx="0">
-            <a:schemeClr val="accent1"/>
-          </a:effectRef>
-          <a:fontRef idx="minor">
-            <a:schemeClr val="tx1"/>
-          </a:fontRef>
-        </p:style>
-      </p:cxnSp>
       <p:pic>
         <p:nvPicPr>
-          <p:cNvPr id="2" name="Picture 1"/>
+          <p:cNvPr id="4" name="Picture 3"/>
           <p:cNvPicPr>
             <a:picLocks noChangeAspect="1"/>
           </p:cNvPicPr>
@@ -3795,90 +3749,155 @@
         </p:blipFill>
         <p:spPr>
           <a:xfrm>
-            <a:off x="304800" y="1828800"/>
-            <a:ext cx="6234113" cy="3818682"/>
+            <a:off x="838200" y="2089932"/>
+            <a:ext cx="7048500" cy="1457325"/>
           </a:xfrm>
           <a:prstGeom prst="rect">
             <a:avLst/>
           </a:prstGeom>
         </p:spPr>
       </p:pic>
-      <p:cxnSp>
-        <p:nvCxnSpPr>
-          <p:cNvPr id="4" name="Straight Arrow Connector 3"/>
-          <p:cNvCxnSpPr>
-            <a:cxnSpLocks/>
-          </p:cNvCxnSpPr>
-          <p:nvPr/>
-        </p:nvCxnSpPr>
-        <p:spPr>
-          <a:xfrm flipH="1">
-            <a:off x="6538913" y="1905000"/>
-            <a:ext cx="319087" cy="0"/>
-          </a:xfrm>
-          <a:prstGeom prst="straightConnector1">
-            <a:avLst/>
-          </a:prstGeom>
+      <p:sp>
+        <p:nvSpPr>
+          <p:cNvPr id="9" name="Rectangle 8"/>
+          <p:cNvSpPr/>
+          <p:nvPr/>
+        </p:nvSpPr>
+        <p:spPr>
+          <a:xfrm>
+            <a:off x="2743200" y="3657600"/>
+            <a:ext cx="1219200" cy="320984"/>
+          </a:xfrm>
+          <a:prstGeom prst="rect">
+            <a:avLst/>
+          </a:prstGeom>
+          <a:solidFill>
+            <a:schemeClr val="accent1"/>
+          </a:solidFill>
           <a:ln>
-            <a:solidFill>
-              <a:srgbClr val="FF0000"/>
-            </a:solidFill>
-            <a:tailEnd type="triangle"/>
+            <a:noFill/>
           </a:ln>
         </p:spPr>
         <p:style>
-          <a:lnRef idx="1">
-            <a:schemeClr val="accent1"/>
+          <a:lnRef idx="0">
+            <a:scrgbClr r="0" g="0" b="0"/>
           </a:lnRef>
           <a:fillRef idx="0">
-            <a:schemeClr val="accent1"/>
+            <a:scrgbClr r="0" g="0" b="0"/>
           </a:fillRef>
           <a:effectRef idx="0">
-            <a:schemeClr val="accent1"/>
+            <a:scrgbClr r="0" g="0" b="0"/>
           </a:effectRef>
           <a:fontRef idx="minor">
-            <a:schemeClr val="tx1"/>
+            <a:schemeClr val="lt1"/>
           </a:fontRef>
         </p:style>
-      </p:cxnSp>
-      <p:cxnSp>
-        <p:nvCxnSpPr>
-          <p:cNvPr id="15" name="Straight Arrow Connector 14"/>
-          <p:cNvCxnSpPr>
-            <a:cxnSpLocks/>
-          </p:cNvCxnSpPr>
-          <p:nvPr/>
-        </p:nvCxnSpPr>
-        <p:spPr>
-          <a:xfrm flipH="1">
-            <a:off x="6538913" y="2057400"/>
-            <a:ext cx="319087" cy="0"/>
-          </a:xfrm>
-          <a:prstGeom prst="straightConnector1">
-            <a:avLst/>
-          </a:prstGeom>
+        <p:txBody>
+          <a:bodyPr rtlCol="0" anchor="ctr"/>
+          <a:lstStyle/>
+          <a:p>
+            <a:pPr algn="ctr"/>
+            <a:r>
+              <a:rPr lang="en-US" dirty="0"/>
+              <a:t>interaction</a:t>
+            </a:r>
+          </a:p>
+        </p:txBody>
+      </p:sp>
+      <p:sp>
+        <p:nvSpPr>
+          <p:cNvPr id="15" name="Rectangle 14"/>
+          <p:cNvSpPr/>
+          <p:nvPr/>
+        </p:nvSpPr>
+        <p:spPr>
+          <a:xfrm>
+            <a:off x="3810000" y="1768948"/>
+            <a:ext cx="2133600" cy="288452"/>
+          </a:xfrm>
+          <a:prstGeom prst="rect">
+            <a:avLst/>
+          </a:prstGeom>
+          <a:solidFill>
+            <a:schemeClr val="accent1"/>
+          </a:solidFill>
           <a:ln>
-            <a:solidFill>
-              <a:srgbClr val="FF0000"/>
-            </a:solidFill>
-            <a:tailEnd type="triangle"/>
+            <a:noFill/>
           </a:ln>
         </p:spPr>
         <p:style>
-          <a:lnRef idx="1">
-            <a:schemeClr val="accent1"/>
+          <a:lnRef idx="0">
+            <a:scrgbClr r="0" g="0" b="0"/>
           </a:lnRef>
           <a:fillRef idx="0">
-            <a:schemeClr val="accent1"/>
+            <a:scrgbClr r="0" g="0" b="0"/>
           </a:fillRef>
           <a:effectRef idx="0">
-            <a:schemeClr val="accent1"/>
+            <a:scrgbClr r="0" g="0" b="0"/>
           </a:effectRef>
           <a:fontRef idx="minor">
-            <a:schemeClr val="tx1"/>
+            <a:schemeClr val="lt1"/>
           </a:fontRef>
         </p:style>
-      </p:cxnSp>
+        <p:txBody>
+          <a:bodyPr rtlCol="0" anchor="ctr"/>
+          <a:lstStyle/>
+          <a:p>
+            <a:pPr algn="ctr"/>
+            <a:r>
+              <a:rPr lang="en-US" dirty="0"/>
+              <a:t>Main effect</a:t>
+            </a:r>
+          </a:p>
+        </p:txBody>
+      </p:sp>
+      <p:sp>
+        <p:nvSpPr>
+          <p:cNvPr id="16" name="Rectangle 15"/>
+          <p:cNvSpPr/>
+          <p:nvPr/>
+        </p:nvSpPr>
+        <p:spPr>
+          <a:xfrm>
+            <a:off x="5948320" y="3610849"/>
+            <a:ext cx="1938380" cy="261990"/>
+          </a:xfrm>
+          <a:prstGeom prst="rect">
+            <a:avLst/>
+          </a:prstGeom>
+          <a:solidFill>
+            <a:schemeClr val="accent1"/>
+          </a:solidFill>
+          <a:ln>
+            <a:noFill/>
+          </a:ln>
+        </p:spPr>
+        <p:style>
+          <a:lnRef idx="0">
+            <a:scrgbClr r="0" g="0" b="0"/>
+          </a:lnRef>
+          <a:fillRef idx="0">
+            <a:scrgbClr r="0" g="0" b="0"/>
+          </a:fillRef>
+          <a:effectRef idx="0">
+            <a:scrgbClr r="0" g="0" b="0"/>
+          </a:effectRef>
+          <a:fontRef idx="minor">
+            <a:schemeClr val="lt1"/>
+          </a:fontRef>
+        </p:style>
+        <p:txBody>
+          <a:bodyPr rtlCol="0" anchor="ctr"/>
+          <a:lstStyle/>
+          <a:p>
+            <a:pPr algn="ctr"/>
+            <a:r>
+              <a:rPr lang="en-US" dirty="0"/>
+              <a:t>Simple main effect</a:t>
+            </a:r>
+          </a:p>
+        </p:txBody>
+      </p:sp>
       <p:pic>
         <p:nvPicPr>
           <p:cNvPr id="10" name="Picture 9"/>
@@ -3887,201 +3906,26 @@
           </p:cNvPicPr>
           <p:nvPr/>
         </p:nvPicPr>
-        <p:blipFill rotWithShape="1">
+        <p:blipFill>
           <a:blip r:embed="rId4"/>
-          <a:srcRect l="-10305" t="-9142" r="10305" b="9142"/>
-          <a:stretch/>
-        </p:blipFill>
-        <p:spPr>
-          <a:xfrm>
-            <a:off x="6524625" y="2394684"/>
-            <a:ext cx="2495550" cy="561975"/>
-          </a:xfrm>
-          <a:prstGeom prst="rect">
-            <a:avLst/>
-          </a:prstGeom>
-        </p:spPr>
-      </p:pic>
-      <p:sp>
-        <p:nvSpPr>
-          <p:cNvPr id="12" name="Rectangle 11"/>
-          <p:cNvSpPr/>
-          <p:nvPr/>
-        </p:nvSpPr>
-        <p:spPr>
-          <a:xfrm>
-            <a:off x="6858000" y="1731818"/>
-            <a:ext cx="1209675" cy="249383"/>
-          </a:xfrm>
-          <a:prstGeom prst="rect">
-            <a:avLst/>
-          </a:prstGeom>
-          <a:noFill/>
-          <a:ln w="9525">
-            <a:solidFill>
-              <a:srgbClr val="FF0000"/>
-            </a:solidFill>
-          </a:ln>
-        </p:spPr>
-        <p:style>
-          <a:lnRef idx="2">
-            <a:schemeClr val="accent1">
-              <a:shade val="50000"/>
-            </a:schemeClr>
-          </a:lnRef>
-          <a:fillRef idx="1">
-            <a:schemeClr val="accent1"/>
-          </a:fillRef>
-          <a:effectRef idx="0">
-            <a:schemeClr val="accent1"/>
-          </a:effectRef>
-          <a:fontRef idx="minor">
-            <a:schemeClr val="lt1"/>
-          </a:fontRef>
-        </p:style>
-        <p:txBody>
-          <a:bodyPr rtlCol="0" anchor="ctr"/>
-          <a:lstStyle/>
-          <a:p>
-            <a:pPr algn="ctr"/>
-            <a:r>
-              <a:rPr lang="en-US" dirty="0">
-                <a:solidFill>
-                  <a:srgbClr val="FF0000"/>
-                </a:solidFill>
-              </a:rPr>
-              <a:t>Factor 1</a:t>
-            </a:r>
-          </a:p>
-        </p:txBody>
-      </p:sp>
-      <p:sp>
-        <p:nvSpPr>
-          <p:cNvPr id="18" name="Rectangle 17"/>
-          <p:cNvSpPr/>
-          <p:nvPr/>
-        </p:nvSpPr>
-        <p:spPr>
-          <a:xfrm>
-            <a:off x="6867526" y="2012641"/>
-            <a:ext cx="1200150" cy="269315"/>
-          </a:xfrm>
-          <a:prstGeom prst="rect">
-            <a:avLst/>
-          </a:prstGeom>
-          <a:noFill/>
-          <a:ln w="9525">
-            <a:solidFill>
-              <a:srgbClr val="FF0000"/>
-            </a:solidFill>
-          </a:ln>
-        </p:spPr>
-        <p:style>
-          <a:lnRef idx="2">
-            <a:schemeClr val="accent1">
-              <a:shade val="50000"/>
-            </a:schemeClr>
-          </a:lnRef>
-          <a:fillRef idx="1">
-            <a:schemeClr val="accent1"/>
-          </a:fillRef>
-          <a:effectRef idx="0">
-            <a:schemeClr val="accent1"/>
-          </a:effectRef>
-          <a:fontRef idx="minor">
-            <a:schemeClr val="lt1"/>
-          </a:fontRef>
-        </p:style>
-        <p:txBody>
-          <a:bodyPr rtlCol="0" anchor="ctr"/>
-          <a:lstStyle/>
-          <a:p>
-            <a:pPr algn="ctr"/>
-            <a:r>
-              <a:rPr lang="en-US" dirty="0">
-                <a:solidFill>
-                  <a:srgbClr val="FF0000"/>
-                </a:solidFill>
-              </a:rPr>
-              <a:t>Factor 2</a:t>
-            </a:r>
-          </a:p>
-        </p:txBody>
-      </p:sp>
-      <p:pic>
-        <p:nvPicPr>
-          <p:cNvPr id="13" name="Picture 12"/>
-          <p:cNvPicPr>
-            <a:picLocks noChangeAspect="1"/>
-          </p:cNvPicPr>
-          <p:nvPr/>
-        </p:nvPicPr>
-        <p:blipFill>
-          <a:blip r:embed="rId5"/>
           <a:stretch>
             <a:fillRect/>
           </a:stretch>
         </p:blipFill>
         <p:spPr>
           <a:xfrm>
-            <a:off x="1752600" y="925497"/>
-            <a:ext cx="1381125" cy="790575"/>
+            <a:off x="2743200" y="4138014"/>
+            <a:ext cx="3795713" cy="2595545"/>
           </a:xfrm>
           <a:prstGeom prst="rect">
             <a:avLst/>
           </a:prstGeom>
         </p:spPr>
       </p:pic>
-      <p:sp>
-        <p:nvSpPr>
-          <p:cNvPr id="3" name="Oval 2"/>
-          <p:cNvSpPr/>
-          <p:nvPr/>
-        </p:nvSpPr>
-        <p:spPr>
-          <a:xfrm>
-            <a:off x="6698456" y="2281956"/>
-            <a:ext cx="2369344" cy="842244"/>
-          </a:xfrm>
-          <a:prstGeom prst="ellipse">
-            <a:avLst/>
-          </a:prstGeom>
-          <a:noFill/>
-          <a:ln w="76200">
-            <a:solidFill>
-              <a:srgbClr val="FF0000"/>
-            </a:solidFill>
-          </a:ln>
-        </p:spPr>
-        <p:style>
-          <a:lnRef idx="2">
-            <a:schemeClr val="accent1">
-              <a:shade val="50000"/>
-            </a:schemeClr>
-          </a:lnRef>
-          <a:fillRef idx="1">
-            <a:schemeClr val="accent1"/>
-          </a:fillRef>
-          <a:effectRef idx="0">
-            <a:schemeClr val="accent1"/>
-          </a:effectRef>
-          <a:fontRef idx="minor">
-            <a:schemeClr val="lt1"/>
-          </a:fontRef>
-        </p:style>
-        <p:txBody>
-          <a:bodyPr rtlCol="0" anchor="ctr"/>
-          <a:lstStyle/>
-          <a:p>
-            <a:pPr algn="ctr"/>
-            <a:endParaRPr lang="en-US"/>
-          </a:p>
-        </p:txBody>
-      </p:sp>
     </p:spTree>
     <p:extLst>
       <p:ext uri="{BB962C8B-B14F-4D97-AF65-F5344CB8AC3E}">
-        <p14:creationId xmlns:p14="http://schemas.microsoft.com/office/powerpoint/2010/main" val="1665570744"/>
+        <p14:creationId xmlns:p14="http://schemas.microsoft.com/office/powerpoint/2010/main" val="1227804986"/>
       </p:ext>
     </p:extLst>
   </p:cSld>
@@ -4302,6 +4146,642 @@
                 </a:effectLst>
                 <a:latin typeface="Trebuchet MS" panose="020B0603020202020204" pitchFamily="34" charset="0"/>
               </a:rPr>
+              <a:t>Input format</a:t>
+            </a:r>
+          </a:p>
+        </p:txBody>
+      </p:sp>
+      <p:pic>
+        <p:nvPicPr>
+          <p:cNvPr id="23" name="Picture 22"/>
+          <p:cNvPicPr>
+            <a:picLocks noChangeAspect="1"/>
+          </p:cNvPicPr>
+          <p:nvPr/>
+        </p:nvPicPr>
+        <p:blipFill>
+          <a:blip r:embed="rId2"/>
+          <a:stretch>
+            <a:fillRect/>
+          </a:stretch>
+        </p:blipFill>
+        <p:spPr>
+          <a:xfrm>
+            <a:off x="6705600" y="5715000"/>
+            <a:ext cx="1362075" cy="900222"/>
+          </a:xfrm>
+          <a:prstGeom prst="rect">
+            <a:avLst/>
+          </a:prstGeom>
+        </p:spPr>
+      </p:pic>
+      <p:sp>
+        <p:nvSpPr>
+          <p:cNvPr id="24" name="Oval 23"/>
+          <p:cNvSpPr/>
+          <p:nvPr/>
+        </p:nvSpPr>
+        <p:spPr>
+          <a:xfrm>
+            <a:off x="7335150" y="6040582"/>
+            <a:ext cx="437250" cy="207818"/>
+          </a:xfrm>
+          <a:prstGeom prst="ellipse">
+            <a:avLst/>
+          </a:prstGeom>
+          <a:noFill/>
+          <a:ln>
+            <a:solidFill>
+              <a:srgbClr val="FF0000"/>
+            </a:solidFill>
+          </a:ln>
+        </p:spPr>
+        <p:style>
+          <a:lnRef idx="2">
+            <a:schemeClr val="accent1">
+              <a:shade val="50000"/>
+            </a:schemeClr>
+          </a:lnRef>
+          <a:fillRef idx="1">
+            <a:schemeClr val="accent1"/>
+          </a:fillRef>
+          <a:effectRef idx="0">
+            <a:schemeClr val="accent1"/>
+          </a:effectRef>
+          <a:fontRef idx="minor">
+            <a:schemeClr val="lt1"/>
+          </a:fontRef>
+        </p:style>
+        <p:txBody>
+          <a:bodyPr rtlCol="0" anchor="ctr"/>
+          <a:lstStyle/>
+          <a:p>
+            <a:pPr algn="ctr"/>
+            <a:endParaRPr lang="en-US"/>
+          </a:p>
+        </p:txBody>
+      </p:sp>
+      <p:cxnSp>
+        <p:nvCxnSpPr>
+          <p:cNvPr id="26" name="Straight Arrow Connector 25"/>
+          <p:cNvCxnSpPr>
+            <a:cxnSpLocks/>
+          </p:cNvCxnSpPr>
+          <p:nvPr/>
+        </p:nvCxnSpPr>
+        <p:spPr>
+          <a:xfrm flipH="1" flipV="1">
+            <a:off x="7727226" y="6248400"/>
+            <a:ext cx="121374" cy="152400"/>
+          </a:xfrm>
+          <a:prstGeom prst="straightConnector1">
+            <a:avLst/>
+          </a:prstGeom>
+          <a:ln>
+            <a:solidFill>
+              <a:srgbClr val="FF0000"/>
+            </a:solidFill>
+            <a:tailEnd type="triangle"/>
+          </a:ln>
+        </p:spPr>
+        <p:style>
+          <a:lnRef idx="1">
+            <a:schemeClr val="accent1"/>
+          </a:lnRef>
+          <a:fillRef idx="0">
+            <a:schemeClr val="accent1"/>
+          </a:fillRef>
+          <a:effectRef idx="0">
+            <a:schemeClr val="accent1"/>
+          </a:effectRef>
+          <a:fontRef idx="minor">
+            <a:schemeClr val="tx1"/>
+          </a:fontRef>
+        </p:style>
+      </p:cxnSp>
+      <p:pic>
+        <p:nvPicPr>
+          <p:cNvPr id="2" name="Picture 1"/>
+          <p:cNvPicPr>
+            <a:picLocks noChangeAspect="1"/>
+          </p:cNvPicPr>
+          <p:nvPr/>
+        </p:nvPicPr>
+        <p:blipFill>
+          <a:blip r:embed="rId3"/>
+          <a:stretch>
+            <a:fillRect/>
+          </a:stretch>
+        </p:blipFill>
+        <p:spPr>
+          <a:xfrm>
+            <a:off x="304800" y="1828800"/>
+            <a:ext cx="6234113" cy="3818682"/>
+          </a:xfrm>
+          <a:prstGeom prst="rect">
+            <a:avLst/>
+          </a:prstGeom>
+        </p:spPr>
+      </p:pic>
+      <p:cxnSp>
+        <p:nvCxnSpPr>
+          <p:cNvPr id="4" name="Straight Arrow Connector 3"/>
+          <p:cNvCxnSpPr>
+            <a:cxnSpLocks/>
+          </p:cNvCxnSpPr>
+          <p:nvPr/>
+        </p:nvCxnSpPr>
+        <p:spPr>
+          <a:xfrm flipH="1">
+            <a:off x="6538913" y="1905000"/>
+            <a:ext cx="319087" cy="0"/>
+          </a:xfrm>
+          <a:prstGeom prst="straightConnector1">
+            <a:avLst/>
+          </a:prstGeom>
+          <a:ln>
+            <a:solidFill>
+              <a:srgbClr val="FF0000"/>
+            </a:solidFill>
+            <a:tailEnd type="triangle"/>
+          </a:ln>
+        </p:spPr>
+        <p:style>
+          <a:lnRef idx="1">
+            <a:schemeClr val="accent1"/>
+          </a:lnRef>
+          <a:fillRef idx="0">
+            <a:schemeClr val="accent1"/>
+          </a:fillRef>
+          <a:effectRef idx="0">
+            <a:schemeClr val="accent1"/>
+          </a:effectRef>
+          <a:fontRef idx="minor">
+            <a:schemeClr val="tx1"/>
+          </a:fontRef>
+        </p:style>
+      </p:cxnSp>
+      <p:cxnSp>
+        <p:nvCxnSpPr>
+          <p:cNvPr id="15" name="Straight Arrow Connector 14"/>
+          <p:cNvCxnSpPr>
+            <a:cxnSpLocks/>
+          </p:cNvCxnSpPr>
+          <p:nvPr/>
+        </p:nvCxnSpPr>
+        <p:spPr>
+          <a:xfrm flipH="1">
+            <a:off x="6538913" y="2057400"/>
+            <a:ext cx="319087" cy="0"/>
+          </a:xfrm>
+          <a:prstGeom prst="straightConnector1">
+            <a:avLst/>
+          </a:prstGeom>
+          <a:ln>
+            <a:solidFill>
+              <a:srgbClr val="FF0000"/>
+            </a:solidFill>
+            <a:tailEnd type="triangle"/>
+          </a:ln>
+        </p:spPr>
+        <p:style>
+          <a:lnRef idx="1">
+            <a:schemeClr val="accent1"/>
+          </a:lnRef>
+          <a:fillRef idx="0">
+            <a:schemeClr val="accent1"/>
+          </a:fillRef>
+          <a:effectRef idx="0">
+            <a:schemeClr val="accent1"/>
+          </a:effectRef>
+          <a:fontRef idx="minor">
+            <a:schemeClr val="tx1"/>
+          </a:fontRef>
+        </p:style>
+      </p:cxnSp>
+      <p:pic>
+        <p:nvPicPr>
+          <p:cNvPr id="10" name="Picture 9"/>
+          <p:cNvPicPr>
+            <a:picLocks noChangeAspect="1"/>
+          </p:cNvPicPr>
+          <p:nvPr/>
+        </p:nvPicPr>
+        <p:blipFill rotWithShape="1">
+          <a:blip r:embed="rId4"/>
+          <a:srcRect l="-10305" t="-9142" r="10305" b="9142"/>
+          <a:stretch/>
+        </p:blipFill>
+        <p:spPr>
+          <a:xfrm>
+            <a:off x="6524625" y="2394684"/>
+            <a:ext cx="2495550" cy="561975"/>
+          </a:xfrm>
+          <a:prstGeom prst="rect">
+            <a:avLst/>
+          </a:prstGeom>
+        </p:spPr>
+      </p:pic>
+      <p:sp>
+        <p:nvSpPr>
+          <p:cNvPr id="12" name="Rectangle 11"/>
+          <p:cNvSpPr/>
+          <p:nvPr/>
+        </p:nvSpPr>
+        <p:spPr>
+          <a:xfrm>
+            <a:off x="6858000" y="1731818"/>
+            <a:ext cx="1209675" cy="249383"/>
+          </a:xfrm>
+          <a:prstGeom prst="rect">
+            <a:avLst/>
+          </a:prstGeom>
+          <a:noFill/>
+          <a:ln w="9525">
+            <a:solidFill>
+              <a:srgbClr val="FF0000"/>
+            </a:solidFill>
+          </a:ln>
+        </p:spPr>
+        <p:style>
+          <a:lnRef idx="2">
+            <a:schemeClr val="accent1">
+              <a:shade val="50000"/>
+            </a:schemeClr>
+          </a:lnRef>
+          <a:fillRef idx="1">
+            <a:schemeClr val="accent1"/>
+          </a:fillRef>
+          <a:effectRef idx="0">
+            <a:schemeClr val="accent1"/>
+          </a:effectRef>
+          <a:fontRef idx="minor">
+            <a:schemeClr val="lt1"/>
+          </a:fontRef>
+        </p:style>
+        <p:txBody>
+          <a:bodyPr rtlCol="0" anchor="ctr"/>
+          <a:lstStyle/>
+          <a:p>
+            <a:pPr algn="ctr"/>
+            <a:r>
+              <a:rPr lang="en-US" dirty="0">
+                <a:solidFill>
+                  <a:srgbClr val="FF0000"/>
+                </a:solidFill>
+              </a:rPr>
+              <a:t>Factor 1</a:t>
+            </a:r>
+          </a:p>
+        </p:txBody>
+      </p:sp>
+      <p:sp>
+        <p:nvSpPr>
+          <p:cNvPr id="18" name="Rectangle 17"/>
+          <p:cNvSpPr/>
+          <p:nvPr/>
+        </p:nvSpPr>
+        <p:spPr>
+          <a:xfrm>
+            <a:off x="6867526" y="2012641"/>
+            <a:ext cx="1200150" cy="269315"/>
+          </a:xfrm>
+          <a:prstGeom prst="rect">
+            <a:avLst/>
+          </a:prstGeom>
+          <a:noFill/>
+          <a:ln w="9525">
+            <a:solidFill>
+              <a:srgbClr val="FF0000"/>
+            </a:solidFill>
+          </a:ln>
+        </p:spPr>
+        <p:style>
+          <a:lnRef idx="2">
+            <a:schemeClr val="accent1">
+              <a:shade val="50000"/>
+            </a:schemeClr>
+          </a:lnRef>
+          <a:fillRef idx="1">
+            <a:schemeClr val="accent1"/>
+          </a:fillRef>
+          <a:effectRef idx="0">
+            <a:schemeClr val="accent1"/>
+          </a:effectRef>
+          <a:fontRef idx="minor">
+            <a:schemeClr val="lt1"/>
+          </a:fontRef>
+        </p:style>
+        <p:txBody>
+          <a:bodyPr rtlCol="0" anchor="ctr"/>
+          <a:lstStyle/>
+          <a:p>
+            <a:pPr algn="ctr"/>
+            <a:r>
+              <a:rPr lang="en-US" dirty="0">
+                <a:solidFill>
+                  <a:srgbClr val="FF0000"/>
+                </a:solidFill>
+              </a:rPr>
+              <a:t>Factor 2</a:t>
+            </a:r>
+          </a:p>
+        </p:txBody>
+      </p:sp>
+      <p:pic>
+        <p:nvPicPr>
+          <p:cNvPr id="13" name="Picture 12"/>
+          <p:cNvPicPr>
+            <a:picLocks noChangeAspect="1"/>
+          </p:cNvPicPr>
+          <p:nvPr/>
+        </p:nvPicPr>
+        <p:blipFill>
+          <a:blip r:embed="rId5"/>
+          <a:stretch>
+            <a:fillRect/>
+          </a:stretch>
+        </p:blipFill>
+        <p:spPr>
+          <a:xfrm>
+            <a:off x="1752600" y="925497"/>
+            <a:ext cx="1381125" cy="790575"/>
+          </a:xfrm>
+          <a:prstGeom prst="rect">
+            <a:avLst/>
+          </a:prstGeom>
+        </p:spPr>
+      </p:pic>
+      <p:sp>
+        <p:nvSpPr>
+          <p:cNvPr id="3" name="Oval 2"/>
+          <p:cNvSpPr/>
+          <p:nvPr/>
+        </p:nvSpPr>
+        <p:spPr>
+          <a:xfrm>
+            <a:off x="6698456" y="2281956"/>
+            <a:ext cx="2369344" cy="842244"/>
+          </a:xfrm>
+          <a:prstGeom prst="ellipse">
+            <a:avLst/>
+          </a:prstGeom>
+          <a:noFill/>
+          <a:ln w="76200">
+            <a:solidFill>
+              <a:srgbClr val="FF0000"/>
+            </a:solidFill>
+          </a:ln>
+        </p:spPr>
+        <p:style>
+          <a:lnRef idx="2">
+            <a:schemeClr val="accent1">
+              <a:shade val="50000"/>
+            </a:schemeClr>
+          </a:lnRef>
+          <a:fillRef idx="1">
+            <a:schemeClr val="accent1"/>
+          </a:fillRef>
+          <a:effectRef idx="0">
+            <a:schemeClr val="accent1"/>
+          </a:effectRef>
+          <a:fontRef idx="minor">
+            <a:schemeClr val="lt1"/>
+          </a:fontRef>
+        </p:style>
+        <p:txBody>
+          <a:bodyPr rtlCol="0" anchor="ctr"/>
+          <a:lstStyle/>
+          <a:p>
+            <a:pPr algn="ctr"/>
+            <a:endParaRPr lang="en-US"/>
+          </a:p>
+        </p:txBody>
+      </p:sp>
+    </p:spTree>
+    <p:extLst>
+      <p:ext uri="{BB962C8B-B14F-4D97-AF65-F5344CB8AC3E}">
+        <p14:creationId xmlns:p14="http://schemas.microsoft.com/office/powerpoint/2010/main" val="1665570744"/>
+      </p:ext>
+    </p:extLst>
+  </p:cSld>
+  <p:clrMapOvr>
+    <a:masterClrMapping/>
+  </p:clrMapOvr>
+</p:sld>
+</file>
+
+<file path=ppt/slides/slide16.xml><?xml version="1.0" encoding="utf-8"?>
+<p:sld xmlns:a="http://schemas.openxmlformats.org/drawingml/2006/main" xmlns:r="http://schemas.openxmlformats.org/officeDocument/2006/relationships" xmlns:p="http://schemas.openxmlformats.org/presentationml/2006/main">
+  <p:cSld>
+    <p:spTree>
+      <p:nvGrpSpPr>
+        <p:cNvPr id="1" name=""/>
+        <p:cNvGrpSpPr/>
+        <p:nvPr/>
+      </p:nvGrpSpPr>
+      <p:grpSpPr>
+        <a:xfrm>
+          <a:off x="0" y="0"/>
+          <a:ext cx="0" cy="0"/>
+          <a:chOff x="0" y="0"/>
+          <a:chExt cx="0" cy="0"/>
+        </a:xfrm>
+      </p:grpSpPr>
+      <p:sp>
+        <p:nvSpPr>
+          <p:cNvPr id="7" name="TextBox 6"/>
+          <p:cNvSpPr txBox="1"/>
+          <p:nvPr/>
+        </p:nvSpPr>
+        <p:spPr>
+          <a:xfrm>
+            <a:off x="1447800" y="457200"/>
+            <a:ext cx="6172200" cy="584775"/>
+          </a:xfrm>
+          <a:prstGeom prst="rect">
+            <a:avLst/>
+          </a:prstGeom>
+          <a:noFill/>
+          <a:ln>
+            <a:noFill/>
+          </a:ln>
+        </p:spPr>
+        <p:style>
+          <a:lnRef idx="0">
+            <a:scrgbClr r="0" g="0" b="0"/>
+          </a:lnRef>
+          <a:fillRef idx="0">
+            <a:scrgbClr r="0" g="0" b="0"/>
+          </a:fillRef>
+          <a:effectRef idx="0">
+            <a:scrgbClr r="0" g="0" b="0"/>
+          </a:effectRef>
+          <a:fontRef idx="minor">
+            <a:schemeClr val="accent1"/>
+          </a:fontRef>
+        </p:style>
+        <p:txBody>
+          <a:bodyPr wrap="square" rtlCol="0">
+            <a:spAutoFit/>
+          </a:bodyPr>
+          <a:lstStyle/>
+          <a:p>
+            <a:pPr algn="ctr"/>
+            <a:r>
+              <a:rPr lang="en-US" altLang="zh-CN" sz="3200" b="1" dirty="0">
+                <a:solidFill>
+                  <a:srgbClr val="0000FF"/>
+                </a:solidFill>
+              </a:rPr>
+              <a:t>boxplot</a:t>
+            </a:r>
+            <a:endParaRPr lang="en-US" sz="3200" b="1" dirty="0">
+              <a:solidFill>
+                <a:srgbClr val="0000FF"/>
+              </a:solidFill>
+            </a:endParaRPr>
+          </a:p>
+        </p:txBody>
+      </p:sp>
+      <p:sp>
+        <p:nvSpPr>
+          <p:cNvPr id="5" name="Rectangle 3"/>
+          <p:cNvSpPr>
+            <a:spLocks noChangeArrowheads="1"/>
+          </p:cNvSpPr>
+          <p:nvPr/>
+        </p:nvSpPr>
+        <p:spPr bwMode="auto">
+          <a:xfrm>
+            <a:off x="0" y="90100"/>
+            <a:ext cx="65" cy="276999"/>
+          </a:xfrm>
+          <a:prstGeom prst="rect">
+            <a:avLst/>
+          </a:prstGeom>
+          <a:solidFill>
+            <a:srgbClr val="F6F8FA"/>
+          </a:solidFill>
+          <a:ln>
+            <a:noFill/>
+          </a:ln>
+          <a:effectLst/>
+          <a:extLst>
+            <a:ext uri="{91240B29-F687-4F45-9708-019B960494DF}">
+              <a14:hiddenLine xmlns:a14="http://schemas.microsoft.com/office/drawing/2010/main" w="9525">
+                <a:solidFill>
+                  <a:schemeClr val="tx1"/>
+                </a:solidFill>
+                <a:miter lim="800000"/>
+                <a:headEnd/>
+                <a:tailEnd/>
+              </a14:hiddenLine>
+            </a:ext>
+            <a:ext uri="{AF507438-7753-43E0-B8FC-AC1667EBCBE1}">
+              <a14:hiddenEffects xmlns:a14="http://schemas.microsoft.com/office/drawing/2010/main">
+                <a:effectLst>
+                  <a:outerShdw dist="35921" dir="2700000" algn="ctr" rotWithShape="0">
+                    <a:schemeClr val="bg2"/>
+                  </a:outerShdw>
+                </a:effectLst>
+              </a14:hiddenEffects>
+            </a:ext>
+          </a:extLst>
+        </p:spPr>
+        <p:txBody>
+          <a:bodyPr vert="horz" wrap="none" lIns="0" tIns="0" rIns="0" bIns="0" numCol="1" anchor="ctr" anchorCtr="0" compatLnSpc="1">
+            <a:prstTxWarp prst="textNoShape">
+              <a:avLst/>
+            </a:prstTxWarp>
+            <a:spAutoFit/>
+          </a:bodyPr>
+          <a:lstStyle/>
+          <a:p>
+            <a:pPr marL="0" marR="0" lvl="0" indent="0" algn="l" defTabSz="914400" rtl="0" eaLnBrk="0" fontAlgn="base" latinLnBrk="0" hangingPunct="0">
+              <a:lnSpc>
+                <a:spcPct val="100000"/>
+              </a:lnSpc>
+              <a:spcBef>
+                <a:spcPct val="0"/>
+              </a:spcBef>
+              <a:spcAft>
+                <a:spcPct val="0"/>
+              </a:spcAft>
+              <a:buClrTx/>
+              <a:buSzTx/>
+              <a:buFontTx/>
+              <a:buNone/>
+              <a:tabLst/>
+            </a:pPr>
+            <a:endParaRPr kumimoji="0" lang="en-US" altLang="en-US" sz="1800" b="0" i="0" u="none" strike="noStrike" cap="none" normalizeH="0" baseline="0" dirty="0">
+              <a:ln>
+                <a:noFill/>
+              </a:ln>
+              <a:solidFill>
+                <a:schemeClr val="tx1"/>
+              </a:solidFill>
+              <a:effectLst/>
+              <a:latin typeface="Arial" panose="020B0604020202020204" pitchFamily="34" charset="0"/>
+            </a:endParaRPr>
+          </a:p>
+        </p:txBody>
+      </p:sp>
+      <p:sp>
+        <p:nvSpPr>
+          <p:cNvPr id="14" name="TextBox 13"/>
+          <p:cNvSpPr txBox="1"/>
+          <p:nvPr/>
+        </p:nvSpPr>
+        <p:spPr>
+          <a:xfrm>
+            <a:off x="1447800" y="914400"/>
+            <a:ext cx="6172200" cy="584775"/>
+          </a:xfrm>
+          <a:prstGeom prst="rect">
+            <a:avLst/>
+          </a:prstGeom>
+          <a:noFill/>
+          <a:ln>
+            <a:noFill/>
+          </a:ln>
+        </p:spPr>
+        <p:style>
+          <a:lnRef idx="0">
+            <a:scrgbClr r="0" g="0" b="0"/>
+          </a:lnRef>
+          <a:fillRef idx="0">
+            <a:scrgbClr r="0" g="0" b="0"/>
+          </a:fillRef>
+          <a:effectRef idx="0">
+            <a:scrgbClr r="0" g="0" b="0"/>
+          </a:effectRef>
+          <a:fontRef idx="minor">
+            <a:schemeClr val="accent1"/>
+          </a:fontRef>
+        </p:style>
+        <p:txBody>
+          <a:bodyPr wrap="square" rtlCol="0">
+            <a:spAutoFit/>
+          </a:bodyPr>
+          <a:lstStyle/>
+          <a:p>
+            <a:pPr algn="ctr"/>
+            <a:r>
+              <a:rPr lang="en-US" sz="3200" i="1" dirty="0">
+                <a:ln w="0"/>
+                <a:solidFill>
+                  <a:srgbClr val="0000FF"/>
+                </a:solidFill>
+                <a:effectLst>
+                  <a:outerShdw blurRad="38100" dist="25400" dir="5400000" algn="ctr" rotWithShape="0">
+                    <a:srgbClr val="6E747A">
+                      <a:alpha val="43000"/>
+                    </a:srgbClr>
+                  </a:outerShdw>
+                </a:effectLst>
+                <a:latin typeface="Trebuchet MS" panose="020B0603020202020204" pitchFamily="34" charset="0"/>
+              </a:rPr>
               <a:t>output</a:t>
             </a:r>
           </a:p>
@@ -4896,7 +5376,7 @@
 </p:sld>
 </file>
 
-<file path=ppt/slides/slide16.xml><?xml version="1.0" encoding="utf-8"?>
+<file path=ppt/slides/slide17.xml><?xml version="1.0" encoding="utf-8"?>
 <p:sld xmlns:a="http://schemas.openxmlformats.org/drawingml/2006/main" xmlns:r="http://schemas.openxmlformats.org/officeDocument/2006/relationships" xmlns:p="http://schemas.openxmlformats.org/presentationml/2006/main">
   <p:cSld>
     <p:spTree>
@@ -5245,7 +5725,7 @@
 </p:sld>
 </file>
 
-<file path=ppt/slides/slide17.xml><?xml version="1.0" encoding="utf-8"?>
+<file path=ppt/slides/slide18.xml><?xml version="1.0" encoding="utf-8"?>
 <p:sld xmlns:a="http://schemas.openxmlformats.org/drawingml/2006/main" xmlns:r="http://schemas.openxmlformats.org/officeDocument/2006/relationships" xmlns:p="http://schemas.openxmlformats.org/presentationml/2006/main">
   <p:cSld>
     <p:spTree>
@@ -5678,7 +6158,7 @@
 </p:sld>
 </file>
 
-<file path=ppt/slides/slide18.xml><?xml version="1.0" encoding="utf-8"?>
+<file path=ppt/slides/slide19.xml><?xml version="1.0" encoding="utf-8"?>
 <p:sld xmlns:a="http://schemas.openxmlformats.org/drawingml/2006/main" xmlns:r="http://schemas.openxmlformats.org/officeDocument/2006/relationships" xmlns:p="http://schemas.openxmlformats.org/presentationml/2006/main">
   <p:cSld>
     <p:spTree>
@@ -6329,7 +6809,7 @@
 </p:sld>
 </file>
 
-<file path=ppt/slides/slide19.xml><?xml version="1.0" encoding="utf-8"?>
+<file path=ppt/slides/slide2.xml><?xml version="1.0" encoding="utf-8"?>
 <p:sld xmlns:a="http://schemas.openxmlformats.org/drawingml/2006/main" xmlns:r="http://schemas.openxmlformats.org/officeDocument/2006/relationships" xmlns:p="http://schemas.openxmlformats.org/presentationml/2006/main">
   <p:cSld>
     <p:spTree>
@@ -6346,30 +6826,6 @@
           <a:chExt cx="0" cy="0"/>
         </a:xfrm>
       </p:grpSpPr>
-      <p:pic>
-        <p:nvPicPr>
-          <p:cNvPr id="27" name="Picture 26"/>
-          <p:cNvPicPr>
-            <a:picLocks noChangeAspect="1"/>
-          </p:cNvPicPr>
-          <p:nvPr/>
-        </p:nvPicPr>
-        <p:blipFill>
-          <a:blip r:embed="rId3"/>
-          <a:stretch>
-            <a:fillRect/>
-          </a:stretch>
-        </p:blipFill>
-        <p:spPr>
-          <a:xfrm>
-            <a:off x="762000" y="4439966"/>
-            <a:ext cx="8179293" cy="665434"/>
-          </a:xfrm>
-          <a:prstGeom prst="rect">
-            <a:avLst/>
-          </a:prstGeom>
-        </p:spPr>
-      </p:pic>
       <p:sp>
         <p:nvSpPr>
           <p:cNvPr id="7" name="TextBox 6"/>
@@ -6411,25 +6867,52 @@
           <a:p>
             <a:pPr algn="ctr"/>
             <a:r>
-              <a:rPr lang="en-US" sz="3200" b="1" dirty="0">
+              <a:rPr lang="en-US" sz="3200" dirty="0" err="1">
+                <a:ln w="0"/>
                 <a:solidFill>
                   <a:srgbClr val="0000FF"/>
                 </a:solidFill>
-              </a:rPr>
-              <a:t>About </a:t>
-            </a:r>
-            <a:r>
-              <a:rPr lang="en-US" sz="3200" b="1" dirty="0" err="1">
-                <a:solidFill>
-                  <a:srgbClr val="0000FF"/>
-                </a:solidFill>
+                <a:effectLst>
+                  <a:outerShdw blurRad="38100" dist="25400" dir="5400000" algn="ctr" rotWithShape="0">
+                    <a:srgbClr val="6E747A">
+                      <a:alpha val="43000"/>
+                    </a:srgbClr>
+                  </a:outerShdw>
+                </a:effectLst>
+                <a:latin typeface="Trebuchet MS" panose="020B0603020202020204" pitchFamily="34" charset="0"/>
               </a:rPr>
               <a:t>MetaBox</a:t>
             </a:r>
-            <a:endParaRPr lang="en-US" sz="3200" b="1" dirty="0">
+            <a:r>
+              <a:rPr lang="en-US" altLang="zh-CN" sz="3200" dirty="0">
+                <a:ln w="0"/>
+                <a:solidFill>
+                  <a:srgbClr val="FF0000"/>
+                </a:solidFill>
+                <a:effectLst>
+                  <a:outerShdw blurRad="38100" dist="25400" dir="5400000" algn="ctr" rotWithShape="0">
+                    <a:srgbClr val="6E747A">
+                      <a:alpha val="43000"/>
+                    </a:srgbClr>
+                  </a:outerShdw>
+                </a:effectLst>
+                <a:latin typeface="Trebuchet MS" panose="020B0603020202020204" pitchFamily="34" charset="0"/>
+              </a:rPr>
+              <a:t> online</a:t>
+            </a:r>
+            <a:endParaRPr lang="en-US" sz="3200" dirty="0">
+              <a:ln w="0"/>
               <a:solidFill>
                 <a:srgbClr val="0000FF"/>
               </a:solidFill>
+              <a:effectLst>
+                <a:outerShdw blurRad="38100" dist="25400" dir="5400000" algn="ctr" rotWithShape="0">
+                  <a:srgbClr val="6E747A">
+                    <a:alpha val="43000"/>
+                  </a:srgbClr>
+                </a:outerShdw>
+              </a:effectLst>
+              <a:latin typeface="Trebuchet MS" panose="020B0603020202020204" pitchFamily="34" charset="0"/>
             </a:endParaRPr>
           </a:p>
         </p:txBody>
@@ -6525,8 +7008,8 @@
         </p:nvSpPr>
         <p:spPr>
           <a:xfrm>
-            <a:off x="725750" y="2209800"/>
-            <a:ext cx="7924800" cy="923330"/>
+            <a:off x="800100" y="1905000"/>
+            <a:ext cx="8915400" cy="1754326"/>
           </a:xfrm>
           <a:prstGeom prst="rect">
             <a:avLst/>
@@ -6538,45 +7021,77 @@
           </a:bodyPr>
           <a:lstStyle/>
           <a:p>
-            <a:r>
-              <a:rPr lang="en-US" dirty="0" err="1"/>
-              <a:t>Wanichthanarak</a:t>
-            </a:r>
-            <a:r>
-              <a:rPr lang="en-US" dirty="0"/>
-              <a:t> K, Fan S, </a:t>
-            </a:r>
-            <a:r>
-              <a:rPr lang="en-US" dirty="0" err="1"/>
-              <a:t>Grapov</a:t>
-            </a:r>
-            <a:r>
-              <a:rPr lang="en-US" dirty="0"/>
-              <a:t> D, </a:t>
-            </a:r>
-            <a:r>
-              <a:rPr lang="en-US" dirty="0" err="1"/>
-              <a:t>Barupal</a:t>
-            </a:r>
-            <a:r>
-              <a:rPr lang="en-US" dirty="0"/>
-              <a:t> DK, Fiehn O. </a:t>
-            </a:r>
-            <a:r>
-              <a:rPr lang="en-US" dirty="0" err="1"/>
-              <a:t>Metabox</a:t>
-            </a:r>
-            <a:r>
-              <a:rPr lang="en-US" dirty="0"/>
-              <a:t>: A Toolbox for Metabolomic Data Analysis, Interpretation and Integrative Exploration. </a:t>
-            </a:r>
-            <a:r>
-              <a:rPr lang="en-US" dirty="0" err="1"/>
-              <a:t>PloS</a:t>
-            </a:r>
-            <a:r>
-              <a:rPr lang="en-US" dirty="0"/>
-              <a:t> one. 2017 Jan 31;12(1):e0171046.</a:t>
+            <a:br>
+              <a:rPr lang="en-US" sz="5400" dirty="0">
+                <a:hlinkClick r:id="rId2"/>
+              </a:rPr>
+            </a:br>
+            <a:r>
+              <a:rPr lang="en-US" sz="5400" dirty="0">
+                <a:hlinkClick r:id="rId2"/>
+              </a:rPr>
+              <a:t>metda.fiehnlab.ucdavis.edu</a:t>
+            </a:r>
+            <a:r>
+              <a:rPr lang="en-US" sz="5400" dirty="0"/>
+              <a:t> </a:t>
+            </a:r>
+          </a:p>
+        </p:txBody>
+      </p:sp>
+      <p:sp>
+        <p:nvSpPr>
+          <p:cNvPr id="2" name="Rectangle 1"/>
+          <p:cNvSpPr/>
+          <p:nvPr/>
+        </p:nvSpPr>
+        <p:spPr>
+          <a:xfrm>
+            <a:off x="2094615" y="6171992"/>
+            <a:ext cx="7620885" cy="461665"/>
+          </a:xfrm>
+          <a:prstGeom prst="rect">
+            <a:avLst/>
+          </a:prstGeom>
+        </p:spPr>
+        <p:txBody>
+          <a:bodyPr wrap="square">
+            <a:spAutoFit/>
+          </a:bodyPr>
+          <a:lstStyle/>
+          <a:p>
+            <a:r>
+              <a:rPr lang="en-US" sz="2400" dirty="0"/>
+              <a:t>https://github.com/slfan2013/metabox.stat</a:t>
+            </a:r>
+          </a:p>
+        </p:txBody>
+      </p:sp>
+      <p:sp>
+        <p:nvSpPr>
+          <p:cNvPr id="4" name="TextBox 3"/>
+          <p:cNvSpPr txBox="1"/>
+          <p:nvPr/>
+        </p:nvSpPr>
+        <p:spPr>
+          <a:xfrm>
+            <a:off x="0" y="6171990"/>
+            <a:ext cx="2362200" cy="461665"/>
+          </a:xfrm>
+          <a:prstGeom prst="rect">
+            <a:avLst/>
+          </a:prstGeom>
+          <a:noFill/>
+        </p:spPr>
+        <p:txBody>
+          <a:bodyPr wrap="square" rtlCol="0">
+            <a:spAutoFit/>
+          </a:bodyPr>
+          <a:lstStyle/>
+          <a:p>
+            <a:r>
+              <a:rPr lang="en-US" sz="2400" b="1" dirty="0"/>
+              <a:t>Power analysis</a:t>
             </a:r>
           </a:p>
         </p:txBody>
@@ -6589,17 +7104,12 @@
         </p:nvSpPr>
         <p:spPr>
           <a:xfrm>
-            <a:off x="736107" y="3562291"/>
-            <a:ext cx="4086375" cy="369332"/>
-          </a:xfrm>
-          <a:prstGeom prst="rect">
-            <a:avLst/>
-          </a:prstGeom>
-          <a:ln>
-            <a:solidFill>
-              <a:srgbClr val="FF0000"/>
-            </a:solidFill>
-          </a:ln>
+            <a:off x="7779026" y="6171991"/>
+            <a:ext cx="916276" cy="461665"/>
+          </a:xfrm>
+          <a:prstGeom prst="rect">
+            <a:avLst/>
+          </a:prstGeom>
         </p:spPr>
         <p:txBody>
           <a:bodyPr wrap="none">
@@ -6608,213 +7118,30 @@
           <a:lstStyle/>
           <a:p>
             <a:r>
-              <a:rPr lang="en-US" dirty="0"/>
-              <a:t>https://github.com/slfan2013/WCMC_DA</a:t>
-            </a:r>
-          </a:p>
-        </p:txBody>
-      </p:sp>
-      <p:sp>
-        <p:nvSpPr>
-          <p:cNvPr id="9" name="TextBox 8"/>
-          <p:cNvSpPr txBox="1"/>
-          <p:nvPr/>
-        </p:nvSpPr>
-        <p:spPr>
-          <a:xfrm>
-            <a:off x="736107" y="3076831"/>
-            <a:ext cx="1447800" cy="369332"/>
-          </a:xfrm>
-          <a:prstGeom prst="rect">
-            <a:avLst/>
-          </a:prstGeom>
-          <a:noFill/>
-        </p:spPr>
-        <p:txBody>
-          <a:bodyPr wrap="square" rtlCol="0">
-            <a:spAutoFit/>
-          </a:bodyPr>
-          <a:lstStyle/>
-          <a:p>
-            <a:r>
-              <a:rPr lang="en-US" b="1" dirty="0"/>
-              <a:t>source</a:t>
-            </a:r>
-          </a:p>
-        </p:txBody>
-      </p:sp>
-      <p:sp>
-        <p:nvSpPr>
-          <p:cNvPr id="20" name="TextBox 19"/>
-          <p:cNvSpPr txBox="1"/>
-          <p:nvPr/>
-        </p:nvSpPr>
-        <p:spPr>
-          <a:xfrm>
-            <a:off x="725750" y="1967070"/>
-            <a:ext cx="1447800" cy="369332"/>
-          </a:xfrm>
-          <a:prstGeom prst="rect">
-            <a:avLst/>
-          </a:prstGeom>
-          <a:noFill/>
-        </p:spPr>
-        <p:txBody>
-          <a:bodyPr wrap="square" rtlCol="0">
-            <a:spAutoFit/>
-          </a:bodyPr>
-          <a:lstStyle/>
-          <a:p>
-            <a:r>
-              <a:rPr lang="en-US" b="1" dirty="0"/>
-              <a:t>paper</a:t>
-            </a:r>
-          </a:p>
-        </p:txBody>
-      </p:sp>
-      <p:sp>
-        <p:nvSpPr>
-          <p:cNvPr id="10" name="Rectangle 9"/>
-          <p:cNvSpPr/>
-          <p:nvPr/>
-        </p:nvSpPr>
-        <p:spPr>
-          <a:xfrm>
-            <a:off x="736107" y="3319561"/>
-            <a:ext cx="4102983" cy="369332"/>
-          </a:xfrm>
-          <a:prstGeom prst="rect">
-            <a:avLst/>
-          </a:prstGeom>
-        </p:spPr>
-        <p:txBody>
-          <a:bodyPr wrap="none">
-            <a:spAutoFit/>
-          </a:bodyPr>
-          <a:lstStyle/>
-          <a:p>
-            <a:r>
-              <a:rPr lang="en-US" dirty="0"/>
-              <a:t>https://github.com/kwanjeeraw/metabox</a:t>
-            </a:r>
-          </a:p>
-        </p:txBody>
-      </p:sp>
-      <p:cxnSp>
-        <p:nvCxnSpPr>
-          <p:cNvPr id="16" name="Straight Arrow Connector 15"/>
-          <p:cNvCxnSpPr>
-            <a:cxnSpLocks/>
-            <a:endCxn id="8" idx="3"/>
-          </p:cNvCxnSpPr>
-          <p:nvPr/>
-        </p:nvCxnSpPr>
-        <p:spPr>
-          <a:xfrm flipH="1">
-            <a:off x="4822482" y="3746957"/>
-            <a:ext cx="333225" cy="0"/>
-          </a:xfrm>
-          <a:prstGeom prst="straightConnector1">
-            <a:avLst/>
-          </a:prstGeom>
-          <a:ln>
-            <a:solidFill>
-              <a:srgbClr val="FF0000"/>
-            </a:solidFill>
-            <a:tailEnd type="triangle"/>
-          </a:ln>
-        </p:spPr>
-        <p:style>
-          <a:lnRef idx="1">
-            <a:schemeClr val="accent1"/>
-          </a:lnRef>
-          <a:fillRef idx="0">
-            <a:schemeClr val="accent1"/>
-          </a:fillRef>
-          <a:effectRef idx="0">
-            <a:schemeClr val="accent1"/>
-          </a:effectRef>
-          <a:fontRef idx="minor">
-            <a:schemeClr val="tx1"/>
-          </a:fontRef>
-        </p:style>
-      </p:cxnSp>
-      <p:sp>
-        <p:nvSpPr>
-          <p:cNvPr id="23" name="TextBox 22"/>
-          <p:cNvSpPr txBox="1"/>
-          <p:nvPr/>
-        </p:nvSpPr>
-        <p:spPr>
-          <a:xfrm>
-            <a:off x="5105400" y="3593068"/>
-            <a:ext cx="2819400" cy="369332"/>
-          </a:xfrm>
-          <a:prstGeom prst="rect">
-            <a:avLst/>
-          </a:prstGeom>
-          <a:noFill/>
-        </p:spPr>
-        <p:txBody>
-          <a:bodyPr wrap="square" rtlCol="0">
-            <a:spAutoFit/>
-          </a:bodyPr>
-          <a:lstStyle/>
-          <a:p>
-            <a:r>
-              <a:rPr lang="en-US" i="1" dirty="0"/>
-              <a:t>Recommended</a:t>
-            </a:r>
-          </a:p>
-        </p:txBody>
-      </p:sp>
-      <p:sp>
-        <p:nvSpPr>
-          <p:cNvPr id="24" name="TextBox 23"/>
-          <p:cNvSpPr txBox="1"/>
-          <p:nvPr/>
-        </p:nvSpPr>
-        <p:spPr>
-          <a:xfrm>
-            <a:off x="744245" y="4192510"/>
-            <a:ext cx="4259062" cy="369332"/>
-          </a:xfrm>
-          <a:prstGeom prst="rect">
-            <a:avLst/>
-          </a:prstGeom>
-          <a:noFill/>
-        </p:spPr>
-        <p:txBody>
-          <a:bodyPr wrap="square" rtlCol="0">
-            <a:spAutoFit/>
-          </a:bodyPr>
-          <a:lstStyle/>
-          <a:p>
-            <a:r>
-              <a:rPr lang="en-US" b="1" dirty="0"/>
-              <a:t>To report bugs or suggestions</a:t>
+              <a:rPr lang="en-US" sz="2400" dirty="0"/>
+              <a:t>*local</a:t>
             </a:r>
           </a:p>
         </p:txBody>
       </p:sp>
       <p:pic>
         <p:nvPicPr>
-          <p:cNvPr id="28" name="Picture 27"/>
+          <p:cNvPr id="6" name="Picture 5"/>
           <p:cNvPicPr>
             <a:picLocks noChangeAspect="1"/>
           </p:cNvPicPr>
           <p:nvPr/>
         </p:nvPicPr>
         <p:blipFill>
-          <a:blip r:embed="rId4"/>
+          <a:blip r:embed="rId3"/>
           <a:stretch>
             <a:fillRect/>
           </a:stretch>
         </p:blipFill>
         <p:spPr>
           <a:xfrm>
-            <a:off x="806398" y="4995729"/>
-            <a:ext cx="3962400" cy="1123950"/>
+            <a:off x="4285641" y="3659326"/>
+            <a:ext cx="4419600" cy="2512666"/>
           </a:xfrm>
           <a:prstGeom prst="rect">
             <a:avLst/>
@@ -6824,7 +7151,7 @@
     </p:spTree>
     <p:extLst>
       <p:ext uri="{BB962C8B-B14F-4D97-AF65-F5344CB8AC3E}">
-        <p14:creationId xmlns:p14="http://schemas.microsoft.com/office/powerpoint/2010/main" val="2537659255"/>
+        <p14:creationId xmlns:p14="http://schemas.microsoft.com/office/powerpoint/2010/main" val="2298395733"/>
       </p:ext>
     </p:extLst>
   </p:cSld>
@@ -6834,7 +7161,7 @@
 </p:sld>
 </file>
 
-<file path=ppt/slides/slide2.xml><?xml version="1.0" encoding="utf-8"?>
+<file path=ppt/slides/slide20.xml><?xml version="1.0" encoding="utf-8"?>
 <p:sld xmlns:a="http://schemas.openxmlformats.org/drawingml/2006/main" xmlns:r="http://schemas.openxmlformats.org/officeDocument/2006/relationships" xmlns:p="http://schemas.openxmlformats.org/presentationml/2006/main">
   <p:cSld>
     <p:spTree>
@@ -6851,6 +7178,30 @@
           <a:chExt cx="0" cy="0"/>
         </a:xfrm>
       </p:grpSpPr>
+      <p:pic>
+        <p:nvPicPr>
+          <p:cNvPr id="27" name="Picture 26"/>
+          <p:cNvPicPr>
+            <a:picLocks noChangeAspect="1"/>
+          </p:cNvPicPr>
+          <p:nvPr/>
+        </p:nvPicPr>
+        <p:blipFill>
+          <a:blip r:embed="rId3"/>
+          <a:stretch>
+            <a:fillRect/>
+          </a:stretch>
+        </p:blipFill>
+        <p:spPr>
+          <a:xfrm>
+            <a:off x="762000" y="4439966"/>
+            <a:ext cx="8179293" cy="665434"/>
+          </a:xfrm>
+          <a:prstGeom prst="rect">
+            <a:avLst/>
+          </a:prstGeom>
+        </p:spPr>
+      </p:pic>
       <p:sp>
         <p:nvSpPr>
           <p:cNvPr id="7" name="TextBox 6"/>
@@ -6892,52 +7243,25 @@
           <a:p>
             <a:pPr algn="ctr"/>
             <a:r>
-              <a:rPr lang="en-US" sz="3200" dirty="0" err="1">
-                <a:ln w="0"/>
+              <a:rPr lang="en-US" sz="3200" b="1" dirty="0">
                 <a:solidFill>
                   <a:srgbClr val="0000FF"/>
                 </a:solidFill>
-                <a:effectLst>
-                  <a:outerShdw blurRad="38100" dist="25400" dir="5400000" algn="ctr" rotWithShape="0">
-                    <a:srgbClr val="6E747A">
-                      <a:alpha val="43000"/>
-                    </a:srgbClr>
-                  </a:outerShdw>
-                </a:effectLst>
-                <a:latin typeface="Trebuchet MS" panose="020B0603020202020204" pitchFamily="34" charset="0"/>
+              </a:rPr>
+              <a:t>About </a:t>
+            </a:r>
+            <a:r>
+              <a:rPr lang="en-US" sz="3200" b="1" dirty="0" err="1">
+                <a:solidFill>
+                  <a:srgbClr val="0000FF"/>
+                </a:solidFill>
               </a:rPr>
               <a:t>MetaBox</a:t>
             </a:r>
-            <a:r>
-              <a:rPr lang="en-US" altLang="zh-CN" sz="3200" dirty="0">
-                <a:ln w="0"/>
-                <a:solidFill>
-                  <a:srgbClr val="FF0000"/>
-                </a:solidFill>
-                <a:effectLst>
-                  <a:outerShdw blurRad="38100" dist="25400" dir="5400000" algn="ctr" rotWithShape="0">
-                    <a:srgbClr val="6E747A">
-                      <a:alpha val="43000"/>
-                    </a:srgbClr>
-                  </a:outerShdw>
-                </a:effectLst>
-                <a:latin typeface="Trebuchet MS" panose="020B0603020202020204" pitchFamily="34" charset="0"/>
-              </a:rPr>
-              <a:t> online</a:t>
-            </a:r>
-            <a:endParaRPr lang="en-US" sz="3200" dirty="0">
-              <a:ln w="0"/>
+            <a:endParaRPr lang="en-US" sz="3200" b="1" dirty="0">
               <a:solidFill>
                 <a:srgbClr val="0000FF"/>
               </a:solidFill>
-              <a:effectLst>
-                <a:outerShdw blurRad="38100" dist="25400" dir="5400000" algn="ctr" rotWithShape="0">
-                  <a:srgbClr val="6E747A">
-                    <a:alpha val="43000"/>
-                  </a:srgbClr>
-                </a:outerShdw>
-              </a:effectLst>
-              <a:latin typeface="Trebuchet MS" panose="020B0603020202020204" pitchFamily="34" charset="0"/>
             </a:endParaRPr>
           </a:p>
         </p:txBody>
@@ -7033,8 +7357,8 @@
         </p:nvSpPr>
         <p:spPr>
           <a:xfrm>
-            <a:off x="800100" y="1905000"/>
-            <a:ext cx="8915400" cy="1754326"/>
+            <a:off x="725750" y="2209800"/>
+            <a:ext cx="7924800" cy="923330"/>
           </a:xfrm>
           <a:prstGeom prst="rect">
             <a:avLst/>
@@ -7046,64 +7370,92 @@
           </a:bodyPr>
           <a:lstStyle/>
           <a:p>
-            <a:br>
-              <a:rPr lang="en-US" sz="5400" dirty="0">
-                <a:hlinkClick r:id="rId2"/>
-              </a:rPr>
-            </a:br>
-            <a:r>
-              <a:rPr lang="en-US" sz="5400" dirty="0">
-                <a:hlinkClick r:id="rId2"/>
-              </a:rPr>
-              <a:t>metda.fiehnlab.ucdavis.edu</a:t>
-            </a:r>
-            <a:r>
-              <a:rPr lang="en-US" sz="5400" dirty="0"/>
-              <a:t> </a:t>
-            </a:r>
-            <a:endParaRPr lang="en-US" sz="5400" dirty="0"/>
-          </a:p>
-        </p:txBody>
-      </p:sp>
-      <p:sp>
-        <p:nvSpPr>
-          <p:cNvPr id="2" name="Rectangle 1"/>
+            <a:r>
+              <a:rPr lang="en-US" dirty="0" err="1"/>
+              <a:t>Wanichthanarak</a:t>
+            </a:r>
+            <a:r>
+              <a:rPr lang="en-US" dirty="0"/>
+              <a:t> K, Fan S, </a:t>
+            </a:r>
+            <a:r>
+              <a:rPr lang="en-US" dirty="0" err="1"/>
+              <a:t>Grapov</a:t>
+            </a:r>
+            <a:r>
+              <a:rPr lang="en-US" dirty="0"/>
+              <a:t> D, </a:t>
+            </a:r>
+            <a:r>
+              <a:rPr lang="en-US" dirty="0" err="1"/>
+              <a:t>Barupal</a:t>
+            </a:r>
+            <a:r>
+              <a:rPr lang="en-US" dirty="0"/>
+              <a:t> DK, Fiehn O. </a:t>
+            </a:r>
+            <a:r>
+              <a:rPr lang="en-US" dirty="0" err="1"/>
+              <a:t>Metabox</a:t>
+            </a:r>
+            <a:r>
+              <a:rPr lang="en-US" dirty="0"/>
+              <a:t>: A Toolbox for Metabolomic Data Analysis, Interpretation and Integrative Exploration. </a:t>
+            </a:r>
+            <a:r>
+              <a:rPr lang="en-US" dirty="0" err="1"/>
+              <a:t>PloS</a:t>
+            </a:r>
+            <a:r>
+              <a:rPr lang="en-US" dirty="0"/>
+              <a:t> one. 2017 Jan 31;12(1):e0171046.</a:t>
+            </a:r>
+          </a:p>
+        </p:txBody>
+      </p:sp>
+      <p:sp>
+        <p:nvSpPr>
+          <p:cNvPr id="8" name="Rectangle 7"/>
           <p:cNvSpPr/>
           <p:nvPr/>
         </p:nvSpPr>
         <p:spPr>
           <a:xfrm>
-            <a:off x="2094615" y="6171992"/>
-            <a:ext cx="7620885" cy="461665"/>
-          </a:xfrm>
-          <a:prstGeom prst="rect">
-            <a:avLst/>
-          </a:prstGeom>
-        </p:spPr>
-        <p:txBody>
-          <a:bodyPr wrap="square">
+            <a:off x="736107" y="3562291"/>
+            <a:ext cx="4086375" cy="369332"/>
+          </a:xfrm>
+          <a:prstGeom prst="rect">
+            <a:avLst/>
+          </a:prstGeom>
+          <a:ln>
+            <a:solidFill>
+              <a:srgbClr val="FF0000"/>
+            </a:solidFill>
+          </a:ln>
+        </p:spPr>
+        <p:txBody>
+          <a:bodyPr wrap="none">
             <a:spAutoFit/>
           </a:bodyPr>
           <a:lstStyle/>
           <a:p>
             <a:r>
-              <a:rPr lang="en-US" sz="2400" dirty="0"/>
-              <a:t>https://github.com/slfan2013/metabox.stat</a:t>
-            </a:r>
-            <a:endParaRPr lang="en-US" sz="2400" dirty="0"/>
-          </a:p>
-        </p:txBody>
-      </p:sp>
-      <p:sp>
-        <p:nvSpPr>
-          <p:cNvPr id="4" name="TextBox 3"/>
+              <a:rPr lang="en-US" dirty="0"/>
+              <a:t>https://github.com/slfan2013/WCMC_DA</a:t>
+            </a:r>
+          </a:p>
+        </p:txBody>
+      </p:sp>
+      <p:sp>
+        <p:nvSpPr>
+          <p:cNvPr id="9" name="TextBox 8"/>
           <p:cNvSpPr txBox="1"/>
           <p:nvPr/>
         </p:nvSpPr>
         <p:spPr>
           <a:xfrm>
-            <a:off x="0" y="6171990"/>
-            <a:ext cx="2362200" cy="461665"/>
+            <a:off x="736107" y="3076831"/>
+            <a:ext cx="1447800" cy="369332"/>
           </a:xfrm>
           <a:prstGeom prst="rect">
             <a:avLst/>
@@ -7117,22 +7469,51 @@
           <a:lstStyle/>
           <a:p>
             <a:r>
-              <a:rPr lang="en-US" sz="2400" b="1" dirty="0"/>
-              <a:t>Power analysis</a:t>
-            </a:r>
-          </a:p>
-        </p:txBody>
-      </p:sp>
-      <p:sp>
-        <p:nvSpPr>
-          <p:cNvPr id="8" name="Rectangle 7"/>
+              <a:rPr lang="en-US" b="1" dirty="0"/>
+              <a:t>source</a:t>
+            </a:r>
+          </a:p>
+        </p:txBody>
+      </p:sp>
+      <p:sp>
+        <p:nvSpPr>
+          <p:cNvPr id="20" name="TextBox 19"/>
+          <p:cNvSpPr txBox="1"/>
+          <p:nvPr/>
+        </p:nvSpPr>
+        <p:spPr>
+          <a:xfrm>
+            <a:off x="725750" y="1967070"/>
+            <a:ext cx="1447800" cy="369332"/>
+          </a:xfrm>
+          <a:prstGeom prst="rect">
+            <a:avLst/>
+          </a:prstGeom>
+          <a:noFill/>
+        </p:spPr>
+        <p:txBody>
+          <a:bodyPr wrap="square" rtlCol="0">
+            <a:spAutoFit/>
+          </a:bodyPr>
+          <a:lstStyle/>
+          <a:p>
+            <a:r>
+              <a:rPr lang="en-US" b="1" dirty="0"/>
+              <a:t>paper</a:t>
+            </a:r>
+          </a:p>
+        </p:txBody>
+      </p:sp>
+      <p:sp>
+        <p:nvSpPr>
+          <p:cNvPr id="10" name="Rectangle 9"/>
           <p:cNvSpPr/>
           <p:nvPr/>
         </p:nvSpPr>
         <p:spPr>
           <a:xfrm>
-            <a:off x="7779026" y="6171991"/>
-            <a:ext cx="916276" cy="461665"/>
+            <a:off x="736107" y="3319561"/>
+            <a:ext cx="4102983" cy="369332"/>
           </a:xfrm>
           <a:prstGeom prst="rect">
             <a:avLst/>
@@ -7145,31 +7526,127 @@
           <a:lstStyle/>
           <a:p>
             <a:r>
-              <a:rPr lang="en-US" sz="2400" dirty="0"/>
-              <a:t>*local</a:t>
-            </a:r>
-            <a:endParaRPr lang="en-US" sz="2400" dirty="0"/>
+              <a:rPr lang="en-US" dirty="0"/>
+              <a:t>https://github.com/kwanjeeraw/metabox</a:t>
+            </a:r>
+          </a:p>
+        </p:txBody>
+      </p:sp>
+      <p:cxnSp>
+        <p:nvCxnSpPr>
+          <p:cNvPr id="16" name="Straight Arrow Connector 15"/>
+          <p:cNvCxnSpPr>
+            <a:cxnSpLocks/>
+            <a:endCxn id="8" idx="3"/>
+          </p:cNvCxnSpPr>
+          <p:nvPr/>
+        </p:nvCxnSpPr>
+        <p:spPr>
+          <a:xfrm flipH="1">
+            <a:off x="4822482" y="3746957"/>
+            <a:ext cx="333225" cy="0"/>
+          </a:xfrm>
+          <a:prstGeom prst="straightConnector1">
+            <a:avLst/>
+          </a:prstGeom>
+          <a:ln>
+            <a:solidFill>
+              <a:srgbClr val="FF0000"/>
+            </a:solidFill>
+            <a:tailEnd type="triangle"/>
+          </a:ln>
+        </p:spPr>
+        <p:style>
+          <a:lnRef idx="1">
+            <a:schemeClr val="accent1"/>
+          </a:lnRef>
+          <a:fillRef idx="0">
+            <a:schemeClr val="accent1"/>
+          </a:fillRef>
+          <a:effectRef idx="0">
+            <a:schemeClr val="accent1"/>
+          </a:effectRef>
+          <a:fontRef idx="minor">
+            <a:schemeClr val="tx1"/>
+          </a:fontRef>
+        </p:style>
+      </p:cxnSp>
+      <p:sp>
+        <p:nvSpPr>
+          <p:cNvPr id="23" name="TextBox 22"/>
+          <p:cNvSpPr txBox="1"/>
+          <p:nvPr/>
+        </p:nvSpPr>
+        <p:spPr>
+          <a:xfrm>
+            <a:off x="5105400" y="3593068"/>
+            <a:ext cx="2819400" cy="369332"/>
+          </a:xfrm>
+          <a:prstGeom prst="rect">
+            <a:avLst/>
+          </a:prstGeom>
+          <a:noFill/>
+        </p:spPr>
+        <p:txBody>
+          <a:bodyPr wrap="square" rtlCol="0">
+            <a:spAutoFit/>
+          </a:bodyPr>
+          <a:lstStyle/>
+          <a:p>
+            <a:r>
+              <a:rPr lang="en-US" i="1" dirty="0"/>
+              <a:t>Recommended</a:t>
+            </a:r>
+          </a:p>
+        </p:txBody>
+      </p:sp>
+      <p:sp>
+        <p:nvSpPr>
+          <p:cNvPr id="24" name="TextBox 23"/>
+          <p:cNvSpPr txBox="1"/>
+          <p:nvPr/>
+        </p:nvSpPr>
+        <p:spPr>
+          <a:xfrm>
+            <a:off x="744245" y="4192510"/>
+            <a:ext cx="4259062" cy="369332"/>
+          </a:xfrm>
+          <a:prstGeom prst="rect">
+            <a:avLst/>
+          </a:prstGeom>
+          <a:noFill/>
+        </p:spPr>
+        <p:txBody>
+          <a:bodyPr wrap="square" rtlCol="0">
+            <a:spAutoFit/>
+          </a:bodyPr>
+          <a:lstStyle/>
+          <a:p>
+            <a:r>
+              <a:rPr lang="en-US" b="1" dirty="0"/>
+              <a:t>To report bugs or suggestions</a:t>
+            </a:r>
           </a:p>
         </p:txBody>
       </p:sp>
       <p:pic>
         <p:nvPicPr>
-          <p:cNvPr id="6" name="Picture 5"/>
+          <p:cNvPr id="28" name="Picture 27"/>
           <p:cNvPicPr>
             <a:picLocks noChangeAspect="1"/>
           </p:cNvPicPr>
           <p:nvPr/>
         </p:nvPicPr>
         <p:blipFill>
-          <a:blip r:embed="rId3"/>
+          <a:blip r:embed="rId4"/>
           <a:stretch>
             <a:fillRect/>
           </a:stretch>
         </p:blipFill>
         <p:spPr>
           <a:xfrm>
-            <a:off x="4285641" y="3659326"/>
-            <a:ext cx="4419600" cy="2512666"/>
+            <a:off x="806398" y="4995729"/>
+            <a:ext cx="3962400" cy="1123950"/>
           </a:xfrm>
           <a:prstGeom prst="rect">
             <a:avLst/>
@@ -7179,7 +7656,7 @@
     </p:spTree>
     <p:extLst>
       <p:ext uri="{BB962C8B-B14F-4D97-AF65-F5344CB8AC3E}">
-        <p14:creationId xmlns:p14="http://schemas.microsoft.com/office/powerpoint/2010/main" val="2298395733"/>
+        <p14:creationId xmlns:p14="http://schemas.microsoft.com/office/powerpoint/2010/main" val="2537659255"/>
       </p:ext>
     </p:extLst>
   </p:cSld>
@@ -7189,7 +7666,7 @@
 </p:sld>
 </file>
 
-<file path=ppt/slides/slide20.xml><?xml version="1.0" encoding="utf-8"?>
+<file path=ppt/slides/slide21.xml><?xml version="1.0" encoding="utf-8"?>
 <p:sld xmlns:a="http://schemas.openxmlformats.org/drawingml/2006/main" xmlns:r="http://schemas.openxmlformats.org/officeDocument/2006/relationships" xmlns:p="http://schemas.openxmlformats.org/presentationml/2006/main">
   <p:cSld>
     <p:spTree>
@@ -7647,6 +8124,94 @@
       </p:grpSpPr>
       <p:sp>
         <p:nvSpPr>
+          <p:cNvPr id="4" name="TextBox 3"/>
+          <p:cNvSpPr txBox="1"/>
+          <p:nvPr/>
+        </p:nvSpPr>
+        <p:spPr>
+          <a:xfrm>
+            <a:off x="1371600" y="2057400"/>
+            <a:ext cx="7543800" cy="584775"/>
+          </a:xfrm>
+          <a:prstGeom prst="rect">
+            <a:avLst/>
+          </a:prstGeom>
+          <a:noFill/>
+        </p:spPr>
+        <p:txBody>
+          <a:bodyPr wrap="square" rtlCol="0">
+            <a:spAutoFit/>
+          </a:bodyPr>
+          <a:lstStyle/>
+          <a:p>
+            <a:r>
+              <a:rPr lang="en-US" sz="3200" b="1" dirty="0"/>
+              <a:t>Lets start by downloading the data</a:t>
+            </a:r>
+          </a:p>
+        </p:txBody>
+      </p:sp>
+      <p:sp>
+        <p:nvSpPr>
+          <p:cNvPr id="5" name="Rectangle 4"/>
+          <p:cNvSpPr/>
+          <p:nvPr/>
+        </p:nvSpPr>
+        <p:spPr>
+          <a:xfrm>
+            <a:off x="381000" y="3187988"/>
+            <a:ext cx="9296400" cy="1200329"/>
+          </a:xfrm>
+          <a:prstGeom prst="rect">
+            <a:avLst/>
+          </a:prstGeom>
+        </p:spPr>
+        <p:txBody>
+          <a:bodyPr wrap="square">
+            <a:spAutoFit/>
+          </a:bodyPr>
+          <a:lstStyle/>
+          <a:p>
+            <a:r>
+              <a:rPr lang="en-US" sz="3600" dirty="0"/>
+              <a:t>https://github.com/slfan2013/summer-course-2017</a:t>
+            </a:r>
+            <a:endParaRPr lang="en-US" sz="3600" dirty="0"/>
+          </a:p>
+        </p:txBody>
+      </p:sp>
+    </p:spTree>
+    <p:extLst>
+      <p:ext uri="{BB962C8B-B14F-4D97-AF65-F5344CB8AC3E}">
+        <p14:creationId xmlns:p14="http://schemas.microsoft.com/office/powerpoint/2010/main" val="211914202"/>
+      </p:ext>
+    </p:extLst>
+  </p:cSld>
+  <p:clrMapOvr>
+    <a:masterClrMapping/>
+  </p:clrMapOvr>
+</p:sld>
+</file>
+
+<file path=ppt/slides/slide5.xml><?xml version="1.0" encoding="utf-8"?>
+<p:sld xmlns:a="http://schemas.openxmlformats.org/drawingml/2006/main" xmlns:r="http://schemas.openxmlformats.org/officeDocument/2006/relationships" xmlns:p="http://schemas.openxmlformats.org/presentationml/2006/main">
+  <p:cSld>
+    <p:spTree>
+      <p:nvGrpSpPr>
+        <p:cNvPr id="1" name=""/>
+        <p:cNvGrpSpPr/>
+        <p:nvPr/>
+      </p:nvGrpSpPr>
+      <p:grpSpPr>
+        <a:xfrm>
+          <a:off x="0" y="0"/>
+          <a:ext cx="0" cy="0"/>
+          <a:chOff x="0" y="0"/>
+          <a:chExt cx="0" cy="0"/>
+        </a:xfrm>
+      </p:grpSpPr>
+      <p:sp>
+        <p:nvSpPr>
           <p:cNvPr id="7" name="TextBox 6"/>
           <p:cNvSpPr txBox="1"/>
           <p:nvPr/>
@@ -8108,7 +8673,7 @@
 </p:sld>
 </file>
 
-<file path=ppt/slides/slide5.xml><?xml version="1.0" encoding="utf-8"?>
+<file path=ppt/slides/slide6.xml><?xml version="1.0" encoding="utf-8"?>
 <p:sld xmlns:a="http://schemas.openxmlformats.org/drawingml/2006/main" xmlns:r="http://schemas.openxmlformats.org/officeDocument/2006/relationships" xmlns:p="http://schemas.openxmlformats.org/presentationml/2006/main">
   <p:cSld>
     <p:spTree>
@@ -8552,7 +9117,7 @@
 </p:sld>
 </file>
 
-<file path=ppt/slides/slide6.xml><?xml version="1.0" encoding="utf-8"?>
+<file path=ppt/slides/slide7.xml><?xml version="1.0" encoding="utf-8"?>
 <p:sld xmlns:a="http://schemas.openxmlformats.org/drawingml/2006/main" xmlns:r="http://schemas.openxmlformats.org/officeDocument/2006/relationships" xmlns:p="http://schemas.openxmlformats.org/presentationml/2006/main">
   <p:cSld>
     <p:spTree>
@@ -8829,7 +9394,7 @@
 </p:sld>
 </file>
 
-<file path=ppt/slides/slide7.xml><?xml version="1.0" encoding="utf-8"?>
+<file path=ppt/slides/slide8.xml><?xml version="1.0" encoding="utf-8"?>
 <p:sld xmlns:a="http://schemas.openxmlformats.org/drawingml/2006/main" xmlns:r="http://schemas.openxmlformats.org/officeDocument/2006/relationships" xmlns:p="http://schemas.openxmlformats.org/presentationml/2006/main">
   <p:cSld>
     <p:spTree>
@@ -9115,7 +9680,7 @@
 </p:sld>
 </file>
 
-<file path=ppt/slides/slide8.xml><?xml version="1.0" encoding="utf-8"?>
+<file path=ppt/slides/slide9.xml><?xml version="1.0" encoding="utf-8"?>
 <p:sld xmlns:a="http://schemas.openxmlformats.org/drawingml/2006/main" xmlns:r="http://schemas.openxmlformats.org/officeDocument/2006/relationships" xmlns:p="http://schemas.openxmlformats.org/presentationml/2006/main">
   <p:cSld>
     <p:spTree>
@@ -9354,485 +9919,6 @@
     <p:extLst>
       <p:ext uri="{BB962C8B-B14F-4D97-AF65-F5344CB8AC3E}">
         <p14:creationId xmlns:p14="http://schemas.microsoft.com/office/powerpoint/2010/main" val="2150824315"/>
-      </p:ext>
-    </p:extLst>
-  </p:cSld>
-  <p:clrMapOvr>
-    <a:masterClrMapping/>
-  </p:clrMapOvr>
-</p:sld>
-</file>
-
-<file path=ppt/slides/slide9.xml><?xml version="1.0" encoding="utf-8"?>
-<p:sld xmlns:a="http://schemas.openxmlformats.org/drawingml/2006/main" xmlns:r="http://schemas.openxmlformats.org/officeDocument/2006/relationships" xmlns:p="http://schemas.openxmlformats.org/presentationml/2006/main">
-  <p:cSld>
-    <p:spTree>
-      <p:nvGrpSpPr>
-        <p:cNvPr id="1" name=""/>
-        <p:cNvGrpSpPr/>
-        <p:nvPr/>
-      </p:nvGrpSpPr>
-      <p:grpSpPr>
-        <a:xfrm>
-          <a:off x="0" y="0"/>
-          <a:ext cx="0" cy="0"/>
-          <a:chOff x="0" y="0"/>
-          <a:chExt cx="0" cy="0"/>
-        </a:xfrm>
-      </p:grpSpPr>
-      <p:sp>
-        <p:nvSpPr>
-          <p:cNvPr id="7" name="TextBox 6"/>
-          <p:cNvSpPr txBox="1"/>
-          <p:nvPr/>
-        </p:nvSpPr>
-        <p:spPr>
-          <a:xfrm>
-            <a:off x="1447800" y="457200"/>
-            <a:ext cx="6172200" cy="584775"/>
-          </a:xfrm>
-          <a:prstGeom prst="rect">
-            <a:avLst/>
-          </a:prstGeom>
-          <a:noFill/>
-          <a:ln>
-            <a:noFill/>
-          </a:ln>
-        </p:spPr>
-        <p:style>
-          <a:lnRef idx="0">
-            <a:scrgbClr r="0" g="0" b="0"/>
-          </a:lnRef>
-          <a:fillRef idx="0">
-            <a:scrgbClr r="0" g="0" b="0"/>
-          </a:fillRef>
-          <a:effectRef idx="0">
-            <a:scrgbClr r="0" g="0" b="0"/>
-          </a:effectRef>
-          <a:fontRef idx="minor">
-            <a:schemeClr val="accent1"/>
-          </a:fontRef>
-        </p:style>
-        <p:txBody>
-          <a:bodyPr wrap="square" rtlCol="0">
-            <a:spAutoFit/>
-          </a:bodyPr>
-          <a:lstStyle/>
-          <a:p>
-            <a:pPr algn="ctr"/>
-            <a:r>
-              <a:rPr lang="en-US" sz="3200" b="1" dirty="0">
-                <a:solidFill>
-                  <a:srgbClr val="0000FF"/>
-                </a:solidFill>
-              </a:rPr>
-              <a:t>paired t test</a:t>
-            </a:r>
-          </a:p>
-        </p:txBody>
-      </p:sp>
-      <p:sp>
-        <p:nvSpPr>
-          <p:cNvPr id="5" name="Rectangle 3"/>
-          <p:cNvSpPr>
-            <a:spLocks noChangeArrowheads="1"/>
-          </p:cNvSpPr>
-          <p:nvPr/>
-        </p:nvSpPr>
-        <p:spPr bwMode="auto">
-          <a:xfrm>
-            <a:off x="0" y="90100"/>
-            <a:ext cx="65" cy="276999"/>
-          </a:xfrm>
-          <a:prstGeom prst="rect">
-            <a:avLst/>
-          </a:prstGeom>
-          <a:solidFill>
-            <a:srgbClr val="F6F8FA"/>
-          </a:solidFill>
-          <a:ln>
-            <a:noFill/>
-          </a:ln>
-          <a:effectLst/>
-          <a:extLst>
-            <a:ext uri="{91240B29-F687-4F45-9708-019B960494DF}">
-              <a14:hiddenLine xmlns:a14="http://schemas.microsoft.com/office/drawing/2010/main" w="9525">
-                <a:solidFill>
-                  <a:schemeClr val="tx1"/>
-                </a:solidFill>
-                <a:miter lim="800000"/>
-                <a:headEnd/>
-                <a:tailEnd/>
-              </a14:hiddenLine>
-            </a:ext>
-            <a:ext uri="{AF507438-7753-43E0-B8FC-AC1667EBCBE1}">
-              <a14:hiddenEffects xmlns:a14="http://schemas.microsoft.com/office/drawing/2010/main">
-                <a:effectLst>
-                  <a:outerShdw dist="35921" dir="2700000" algn="ctr" rotWithShape="0">
-                    <a:schemeClr val="bg2"/>
-                  </a:outerShdw>
-                </a:effectLst>
-              </a14:hiddenEffects>
-            </a:ext>
-          </a:extLst>
-        </p:spPr>
-        <p:txBody>
-          <a:bodyPr vert="horz" wrap="none" lIns="0" tIns="0" rIns="0" bIns="0" numCol="1" anchor="ctr" anchorCtr="0" compatLnSpc="1">
-            <a:prstTxWarp prst="textNoShape">
-              <a:avLst/>
-            </a:prstTxWarp>
-            <a:spAutoFit/>
-          </a:bodyPr>
-          <a:lstStyle/>
-          <a:p>
-            <a:pPr marL="0" marR="0" lvl="0" indent="0" algn="l" defTabSz="914400" rtl="0" eaLnBrk="0" fontAlgn="base" latinLnBrk="0" hangingPunct="0">
-              <a:lnSpc>
-                <a:spcPct val="100000"/>
-              </a:lnSpc>
-              <a:spcBef>
-                <a:spcPct val="0"/>
-              </a:spcBef>
-              <a:spcAft>
-                <a:spcPct val="0"/>
-              </a:spcAft>
-              <a:buClrTx/>
-              <a:buSzTx/>
-              <a:buFontTx/>
-              <a:buNone/>
-              <a:tabLst/>
-            </a:pPr>
-            <a:endParaRPr kumimoji="0" lang="en-US" altLang="en-US" sz="1800" b="0" i="0" u="none" strike="noStrike" cap="none" normalizeH="0" baseline="0" dirty="0">
-              <a:ln>
-                <a:noFill/>
-              </a:ln>
-              <a:solidFill>
-                <a:schemeClr val="tx1"/>
-              </a:solidFill>
-              <a:effectLst/>
-              <a:latin typeface="Arial" panose="020B0604020202020204" pitchFamily="34" charset="0"/>
-            </a:endParaRPr>
-          </a:p>
-        </p:txBody>
-      </p:sp>
-      <p:sp>
-        <p:nvSpPr>
-          <p:cNvPr id="14" name="TextBox 13"/>
-          <p:cNvSpPr txBox="1"/>
-          <p:nvPr/>
-        </p:nvSpPr>
-        <p:spPr>
-          <a:xfrm>
-            <a:off x="1447800" y="914400"/>
-            <a:ext cx="6172200" cy="584775"/>
-          </a:xfrm>
-          <a:prstGeom prst="rect">
-            <a:avLst/>
-          </a:prstGeom>
-          <a:noFill/>
-          <a:ln>
-            <a:noFill/>
-          </a:ln>
-        </p:spPr>
-        <p:style>
-          <a:lnRef idx="0">
-            <a:scrgbClr r="0" g="0" b="0"/>
-          </a:lnRef>
-          <a:fillRef idx="0">
-            <a:scrgbClr r="0" g="0" b="0"/>
-          </a:fillRef>
-          <a:effectRef idx="0">
-            <a:scrgbClr r="0" g="0" b="0"/>
-          </a:effectRef>
-          <a:fontRef idx="minor">
-            <a:schemeClr val="accent1"/>
-          </a:fontRef>
-        </p:style>
-        <p:txBody>
-          <a:bodyPr wrap="square" rtlCol="0">
-            <a:spAutoFit/>
-          </a:bodyPr>
-          <a:lstStyle/>
-          <a:p>
-            <a:pPr algn="ctr"/>
-            <a:r>
-              <a:rPr lang="en-US" sz="3200" i="1" dirty="0">
-                <a:ln w="0"/>
-                <a:solidFill>
-                  <a:srgbClr val="0000FF"/>
-                </a:solidFill>
-                <a:effectLst>
-                  <a:outerShdw blurRad="38100" dist="25400" dir="5400000" algn="ctr" rotWithShape="0">
-                    <a:srgbClr val="6E747A">
-                      <a:alpha val="43000"/>
-                    </a:srgbClr>
-                  </a:outerShdw>
-                </a:effectLst>
-                <a:latin typeface="Trebuchet MS" panose="020B0603020202020204" pitchFamily="34" charset="0"/>
-              </a:rPr>
-              <a:t>Input format</a:t>
-            </a:r>
-          </a:p>
-        </p:txBody>
-      </p:sp>
-      <p:pic>
-        <p:nvPicPr>
-          <p:cNvPr id="23" name="Picture 22"/>
-          <p:cNvPicPr>
-            <a:picLocks noChangeAspect="1"/>
-          </p:cNvPicPr>
-          <p:nvPr/>
-        </p:nvPicPr>
-        <p:blipFill>
-          <a:blip r:embed="rId2"/>
-          <a:stretch>
-            <a:fillRect/>
-          </a:stretch>
-        </p:blipFill>
-        <p:spPr>
-          <a:xfrm>
-            <a:off x="6705600" y="5715000"/>
-            <a:ext cx="1362075" cy="900222"/>
-          </a:xfrm>
-          <a:prstGeom prst="rect">
-            <a:avLst/>
-          </a:prstGeom>
-        </p:spPr>
-      </p:pic>
-      <p:sp>
-        <p:nvSpPr>
-          <p:cNvPr id="24" name="Oval 23"/>
-          <p:cNvSpPr/>
-          <p:nvPr/>
-        </p:nvSpPr>
-        <p:spPr>
-          <a:xfrm>
-            <a:off x="7335150" y="6040582"/>
-            <a:ext cx="437250" cy="207818"/>
-          </a:xfrm>
-          <a:prstGeom prst="ellipse">
-            <a:avLst/>
-          </a:prstGeom>
-          <a:noFill/>
-          <a:ln>
-            <a:solidFill>
-              <a:srgbClr val="FF0000"/>
-            </a:solidFill>
-          </a:ln>
-        </p:spPr>
-        <p:style>
-          <a:lnRef idx="2">
-            <a:schemeClr val="accent1">
-              <a:shade val="50000"/>
-            </a:schemeClr>
-          </a:lnRef>
-          <a:fillRef idx="1">
-            <a:schemeClr val="accent1"/>
-          </a:fillRef>
-          <a:effectRef idx="0">
-            <a:schemeClr val="accent1"/>
-          </a:effectRef>
-          <a:fontRef idx="minor">
-            <a:schemeClr val="lt1"/>
-          </a:fontRef>
-        </p:style>
-        <p:txBody>
-          <a:bodyPr rtlCol="0" anchor="ctr"/>
-          <a:lstStyle/>
-          <a:p>
-            <a:pPr algn="ctr"/>
-            <a:endParaRPr lang="en-US"/>
-          </a:p>
-        </p:txBody>
-      </p:sp>
-      <p:cxnSp>
-        <p:nvCxnSpPr>
-          <p:cNvPr id="26" name="Straight Arrow Connector 25"/>
-          <p:cNvCxnSpPr>
-            <a:cxnSpLocks/>
-          </p:cNvCxnSpPr>
-          <p:nvPr/>
-        </p:nvCxnSpPr>
-        <p:spPr>
-          <a:xfrm flipH="1" flipV="1">
-            <a:off x="7727226" y="6248400"/>
-            <a:ext cx="121374" cy="152400"/>
-          </a:xfrm>
-          <a:prstGeom prst="straightConnector1">
-            <a:avLst/>
-          </a:prstGeom>
-          <a:ln>
-            <a:solidFill>
-              <a:srgbClr val="FF0000"/>
-            </a:solidFill>
-            <a:tailEnd type="triangle"/>
-          </a:ln>
-        </p:spPr>
-        <p:style>
-          <a:lnRef idx="1">
-            <a:schemeClr val="accent1"/>
-          </a:lnRef>
-          <a:fillRef idx="0">
-            <a:schemeClr val="accent1"/>
-          </a:fillRef>
-          <a:effectRef idx="0">
-            <a:schemeClr val="accent1"/>
-          </a:effectRef>
-          <a:fontRef idx="minor">
-            <a:schemeClr val="tx1"/>
-          </a:fontRef>
-        </p:style>
-      </p:cxnSp>
-      <p:pic>
-        <p:nvPicPr>
-          <p:cNvPr id="2" name="Picture 1"/>
-          <p:cNvPicPr>
-            <a:picLocks noChangeAspect="1"/>
-          </p:cNvPicPr>
-          <p:nvPr/>
-        </p:nvPicPr>
-        <p:blipFill>
-          <a:blip r:embed="rId3"/>
-          <a:stretch>
-            <a:fillRect/>
-          </a:stretch>
-        </p:blipFill>
-        <p:spPr>
-          <a:xfrm>
-            <a:off x="910863" y="1885039"/>
-            <a:ext cx="6877050" cy="3344219"/>
-          </a:xfrm>
-          <a:prstGeom prst="rect">
-            <a:avLst/>
-          </a:prstGeom>
-        </p:spPr>
-      </p:pic>
-      <p:sp>
-        <p:nvSpPr>
-          <p:cNvPr id="3" name="Rectangle 2"/>
-          <p:cNvSpPr/>
-          <p:nvPr/>
-        </p:nvSpPr>
-        <p:spPr>
-          <a:xfrm>
-            <a:off x="790575" y="1981200"/>
-            <a:ext cx="7117626" cy="245441"/>
-          </a:xfrm>
-          <a:prstGeom prst="rect">
-            <a:avLst/>
-          </a:prstGeom>
-          <a:noFill/>
-          <a:ln>
-            <a:solidFill>
-              <a:srgbClr val="FF0000"/>
-            </a:solidFill>
-          </a:ln>
-        </p:spPr>
-        <p:style>
-          <a:lnRef idx="2">
-            <a:schemeClr val="accent1">
-              <a:shade val="50000"/>
-            </a:schemeClr>
-          </a:lnRef>
-          <a:fillRef idx="1">
-            <a:schemeClr val="accent1"/>
-          </a:fillRef>
-          <a:effectRef idx="0">
-            <a:schemeClr val="accent1"/>
-          </a:effectRef>
-          <a:fontRef idx="minor">
-            <a:schemeClr val="lt1"/>
-          </a:fontRef>
-        </p:style>
-        <p:txBody>
-          <a:bodyPr rtlCol="0" anchor="ctr"/>
-          <a:lstStyle/>
-          <a:p>
-            <a:pPr algn="ctr"/>
-            <a:endParaRPr lang="en-US"/>
-          </a:p>
-        </p:txBody>
-      </p:sp>
-      <p:sp>
-        <p:nvSpPr>
-          <p:cNvPr id="12" name="Rectangle 11"/>
-          <p:cNvSpPr/>
-          <p:nvPr/>
-        </p:nvSpPr>
-        <p:spPr>
-          <a:xfrm>
-            <a:off x="1676399" y="5595340"/>
-            <a:ext cx="4953001" cy="881659"/>
-          </a:xfrm>
-          <a:prstGeom prst="rect">
-            <a:avLst/>
-          </a:prstGeom>
-          <a:noFill/>
-          <a:ln>
-            <a:solidFill>
-              <a:srgbClr val="FF0000"/>
-            </a:solidFill>
-          </a:ln>
-        </p:spPr>
-        <p:style>
-          <a:lnRef idx="2">
-            <a:schemeClr val="accent1">
-              <a:shade val="50000"/>
-            </a:schemeClr>
-          </a:lnRef>
-          <a:fillRef idx="1">
-            <a:schemeClr val="accent1"/>
-          </a:fillRef>
-          <a:effectRef idx="0">
-            <a:schemeClr val="accent1"/>
-          </a:effectRef>
-          <a:fontRef idx="minor">
-            <a:schemeClr val="lt1"/>
-          </a:fontRef>
-        </p:style>
-        <p:txBody>
-          <a:bodyPr rtlCol="0" anchor="ctr"/>
-          <a:lstStyle/>
-          <a:p>
-            <a:pPr algn="ctr"/>
-            <a:r>
-              <a:rPr lang="en-US" dirty="0">
-                <a:solidFill>
-                  <a:srgbClr val="FF0000"/>
-                </a:solidFill>
-              </a:rPr>
-              <a:t>sample ID is critical for paired studies, including paired t test, repeated ANOVA and mixed ANOVA.</a:t>
-            </a:r>
-          </a:p>
-        </p:txBody>
-      </p:sp>
-      <p:pic>
-        <p:nvPicPr>
-          <p:cNvPr id="4" name="Picture 3"/>
-          <p:cNvPicPr>
-            <a:picLocks noChangeAspect="1"/>
-          </p:cNvPicPr>
-          <p:nvPr/>
-        </p:nvPicPr>
-        <p:blipFill>
-          <a:blip r:embed="rId4"/>
-          <a:stretch>
-            <a:fillRect/>
-          </a:stretch>
-        </p:blipFill>
-        <p:spPr>
-          <a:xfrm>
-            <a:off x="1655684" y="991902"/>
-            <a:ext cx="1647825" cy="647700"/>
-          </a:xfrm>
-          <a:prstGeom prst="rect">
-            <a:avLst/>
-          </a:prstGeom>
-        </p:spPr>
-      </p:pic>
-    </p:spTree>
-    <p:extLst>
-      <p:ext uri="{BB962C8B-B14F-4D97-AF65-F5344CB8AC3E}">
-        <p14:creationId xmlns:p14="http://schemas.microsoft.com/office/powerpoint/2010/main" val="1045781367"/>
       </p:ext>
     </p:extLst>
   </p:cSld>
